--- a/Session_2_Java Basics.pptx
+++ b/Session_2_Java Basics.pptx
@@ -3232,61 +3232,61 @@
     </dgm:pt>
   </dgm:ptLst>
   <dgm:cxnLst>
+    <dgm:cxn modelId="{B5AC2237-410E-4B6E-AD5A-A9F5D576CCF5}" type="presOf" srcId="{3102626F-7CFB-4EDF-B9BC-3544295C845F}" destId="{02C0F7DE-7DEB-4728-94A8-675F08C61B61}" srcOrd="1" destOrd="0" presId="urn:microsoft.com/office/officeart/2005/8/layout/hierarchy2"/>
+    <dgm:cxn modelId="{F85939C7-B67E-47BB-BB0E-B52C42E50930}" type="presOf" srcId="{14BA256F-ABA9-49B2-A12F-ED2CCE5D97B9}" destId="{52F7C414-CE7D-4E24-891D-A5D889BDA974}" srcOrd="0" destOrd="0" presId="urn:microsoft.com/office/officeart/2005/8/layout/hierarchy2"/>
+    <dgm:cxn modelId="{08A5BC99-49D8-4B5B-AFD1-7E2B6BE57A21}" srcId="{39FFD4AA-A124-4F27-B855-D59A00435B15}" destId="{B3EEDF9C-184B-4C70-905F-CA7AFA3EF5B9}" srcOrd="2" destOrd="0" parTransId="{0367407A-B331-43A8-A835-52C1CC071464}" sibTransId="{F3B8693A-B9C7-458A-920F-76A59FF35554}"/>
+    <dgm:cxn modelId="{6CCA184D-C094-4ABC-A57D-0A327D6018EE}" type="presOf" srcId="{C64AC093-9DEB-487F-AB77-62B26E09591F}" destId="{5033B1DF-BE2C-413E-A6CD-E2F5A0863159}" srcOrd="1" destOrd="0" presId="urn:microsoft.com/office/officeart/2005/8/layout/hierarchy2"/>
+    <dgm:cxn modelId="{D1D719B4-CEE0-4AAA-8794-067783427AAB}" type="presOf" srcId="{5AB33E62-4DC7-4EE4-ACEC-3BFE7590494A}" destId="{3DA81BC4-75BC-42C3-A2A0-580D81FEA2E0}" srcOrd="1" destOrd="0" presId="urn:microsoft.com/office/officeart/2005/8/layout/hierarchy2"/>
+    <dgm:cxn modelId="{FAEFDCBF-4610-489F-9F53-C49868714BD1}" type="presOf" srcId="{181FBD91-68AB-4835-AF62-EC015CE61350}" destId="{B864B941-214B-43C6-9FDD-BA89E3CBDA31}" srcOrd="1" destOrd="0" presId="urn:microsoft.com/office/officeart/2005/8/layout/hierarchy2"/>
+    <dgm:cxn modelId="{EADCEE26-ACDC-48C5-8569-F2630DCC5ADD}" type="presOf" srcId="{DAEDCB7F-A52A-42E9-9C0B-3114E7DA4E56}" destId="{447F65B9-1F2A-4FBB-ACD1-ABFC2FCF7F43}" srcOrd="0" destOrd="0" presId="urn:microsoft.com/office/officeart/2005/8/layout/hierarchy2"/>
+    <dgm:cxn modelId="{EB8FFCB4-FAAF-4FAC-941A-8AB4B313857F}" type="presOf" srcId="{1C378682-3B14-4C41-8B7D-B4CDDC6D5C7B}" destId="{2771A3B0-FD1B-43E0-826E-9E67F9A5A78B}" srcOrd="1" destOrd="0" presId="urn:microsoft.com/office/officeart/2005/8/layout/hierarchy2"/>
+    <dgm:cxn modelId="{51A8D6DE-ED35-496F-8E86-62CB8E33A5CD}" type="presOf" srcId="{0367407A-B331-43A8-A835-52C1CC071464}" destId="{33AEF5F6-F501-4F99-815C-81CA3194CE5D}" srcOrd="1" destOrd="0" presId="urn:microsoft.com/office/officeart/2005/8/layout/hierarchy2"/>
+    <dgm:cxn modelId="{D753ABBB-DC91-4259-87AE-97752901AE68}" srcId="{B689D8DE-CF09-4329-8EBE-BF34D0405F5F}" destId="{C626744A-EE97-4D7D-9EE4-2B04E78ACB8B}" srcOrd="2" destOrd="0" parTransId="{C64AC093-9DEB-487F-AB77-62B26E09591F}" sibTransId="{A5B95C08-6F31-4AB8-8398-64F3D2FDAF14}"/>
+    <dgm:cxn modelId="{DA58D6A8-BCE9-4E46-8643-2A520AE48FA4}" srcId="{079FB288-78D8-4AE3-B7E2-74F80CAE5892}" destId="{14BA256F-ABA9-49B2-A12F-ED2CCE5D97B9}" srcOrd="0" destOrd="0" parTransId="{CB42C237-1260-4D57-8572-AF728A5C66EF}" sibTransId="{A99D1654-F0DC-4688-97D3-151E5095B5D3}"/>
+    <dgm:cxn modelId="{0B98E1E4-0422-4297-AAAC-1FC027DBA909}" srcId="{39FFD4AA-A124-4F27-B855-D59A00435B15}" destId="{A48E0A29-AACD-43F9-A7EA-032F8E2F94BB}" srcOrd="3" destOrd="0" parTransId="{F06F0734-EA2D-42A5-9037-B2FB6C9032A1}" sibTransId="{0066505A-86B3-4398-97B7-8C08BBCF514A}"/>
+    <dgm:cxn modelId="{86F8E089-8A10-4F6D-9EBB-73EDC36A57DF}" type="presOf" srcId="{1C378682-3B14-4C41-8B7D-B4CDDC6D5C7B}" destId="{D4B29442-F43F-44A1-9E2E-9C2FE1F6E2D4}" srcOrd="0" destOrd="0" presId="urn:microsoft.com/office/officeart/2005/8/layout/hierarchy2"/>
     <dgm:cxn modelId="{182D7889-A65C-4BAB-8D51-5BB9E795717D}" srcId="{A48E0A29-AACD-43F9-A7EA-032F8E2F94BB}" destId="{38EA737A-98D0-4A06-92E9-4E2F197B4A27}" srcOrd="0" destOrd="0" parTransId="{1C378682-3B14-4C41-8B7D-B4CDDC6D5C7B}" sibTransId="{7337B31E-7AAC-4418-9711-69F92B532485}"/>
-    <dgm:cxn modelId="{D1D719B4-CEE0-4AAA-8794-067783427AAB}" type="presOf" srcId="{5AB33E62-4DC7-4EE4-ACEC-3BFE7590494A}" destId="{3DA81BC4-75BC-42C3-A2A0-580D81FEA2E0}" srcOrd="1" destOrd="0" presId="urn:microsoft.com/office/officeart/2005/8/layout/hierarchy2"/>
+    <dgm:cxn modelId="{8204C710-12B8-4BD5-8291-55D79E7104DE}" srcId="{B689D8DE-CF09-4329-8EBE-BF34D0405F5F}" destId="{39FFD4AA-A124-4F27-B855-D59A00435B15}" srcOrd="1" destOrd="0" parTransId="{406F47FE-6D42-47C7-9208-5941F9A7D7CB}" sibTransId="{858B088B-F8C7-4042-8705-0C1B614D9B63}"/>
+    <dgm:cxn modelId="{EDAE94EA-A96C-463F-BB6C-0AD214560885}" type="presOf" srcId="{3102626F-7CFB-4EDF-B9BC-3544295C845F}" destId="{25E9BE56-299E-4C35-AEFA-CD5617E93DF6}" srcOrd="0" destOrd="0" presId="urn:microsoft.com/office/officeart/2005/8/layout/hierarchy2"/>
+    <dgm:cxn modelId="{B5C30AA8-314B-429E-A470-DB0D9D6D4AC1}" type="presOf" srcId="{DAEDCB7F-A52A-42E9-9C0B-3114E7DA4E56}" destId="{5F10F69B-43CA-400A-B9D9-2F06FEA6306F}" srcOrd="1" destOrd="0" presId="urn:microsoft.com/office/officeart/2005/8/layout/hierarchy2"/>
+    <dgm:cxn modelId="{295EF73A-E407-4D67-82B7-E9A729D302FA}" type="presOf" srcId="{C626744A-EE97-4D7D-9EE4-2B04E78ACB8B}" destId="{60869B68-1ED3-46EB-BC75-6C54E3547ABD}" srcOrd="0" destOrd="0" presId="urn:microsoft.com/office/officeart/2005/8/layout/hierarchy2"/>
+    <dgm:cxn modelId="{5A669493-A24F-4DE1-991E-204EDEF810EF}" type="presOf" srcId="{3D6C26A9-3065-4280-8ED7-AB848B9E0B23}" destId="{DD602D3B-1876-4E99-AC87-AFF15016E71F}" srcOrd="0" destOrd="0" presId="urn:microsoft.com/office/officeart/2005/8/layout/hierarchy2"/>
+    <dgm:cxn modelId="{8A446667-C6E2-448C-8244-101740C42160}" srcId="{4D49AF40-7CEB-4DA8-AEA1-BC6F7D40A0D6}" destId="{49A3DDC4-425C-4C8C-B6BA-2B6701C6A12A}" srcOrd="0" destOrd="0" parTransId="{5AB33E62-4DC7-4EE4-ACEC-3BFE7590494A}" sibTransId="{DE10A5AD-DFE0-4086-B279-F96D09E511EC}"/>
+    <dgm:cxn modelId="{56896155-91E2-4F54-9A8A-A19FFFB313E8}" srcId="{44A9223B-89A7-4A98-B164-DFDDE69E3BA9}" destId="{B689D8DE-CF09-4329-8EBE-BF34D0405F5F}" srcOrd="0" destOrd="0" parTransId="{991F9394-D37E-4159-B76F-331764A259CE}" sibTransId="{3FF43506-2D16-40C6-A4C8-ED44DAE7BC5E}"/>
+    <dgm:cxn modelId="{9A006890-90F5-4A80-ACA7-12AFC97E7139}" type="presOf" srcId="{079FB288-78D8-4AE3-B7E2-74F80CAE5892}" destId="{FD452309-8A1F-414B-90A7-6D1366D9E53A}" srcOrd="0" destOrd="0" presId="urn:microsoft.com/office/officeart/2005/8/layout/hierarchy2"/>
+    <dgm:cxn modelId="{3DC599F5-1FCC-4206-93B9-4869391AE7ED}" type="presOf" srcId="{3DDEAF9B-F2F1-46F9-AD22-255C8010CC7C}" destId="{588AF801-A97E-42CB-9622-8A5A085CC75A}" srcOrd="1" destOrd="0" presId="urn:microsoft.com/office/officeart/2005/8/layout/hierarchy2"/>
+    <dgm:cxn modelId="{C8A1885E-AC9F-48A3-9D34-FAC8A5A87DEB}" type="presOf" srcId="{49A3DDC4-425C-4C8C-B6BA-2B6701C6A12A}" destId="{22F1F4FB-7A19-46EF-A547-E849282E849E}" srcOrd="0" destOrd="0" presId="urn:microsoft.com/office/officeart/2005/8/layout/hierarchy2"/>
+    <dgm:cxn modelId="{2FB27BBA-E56F-4140-9740-074D80907576}" type="presOf" srcId="{A48E0A29-AACD-43F9-A7EA-032F8E2F94BB}" destId="{D2C72BA1-3DDE-4AB7-917B-32F319C3DC3D}" srcOrd="0" destOrd="0" presId="urn:microsoft.com/office/officeart/2005/8/layout/hierarchy2"/>
+    <dgm:cxn modelId="{F920B45C-8901-4726-8031-3DD43F6873EE}" srcId="{B3EEDF9C-184B-4C70-905F-CA7AFA3EF5B9}" destId="{6459FBB0-DA41-463E-9179-CD4166007C1F}" srcOrd="0" destOrd="0" parTransId="{181FBD91-68AB-4835-AF62-EC015CE61350}" sibTransId="{2B44CE1F-ECA1-417B-8FAD-B4672EA7C4FF}"/>
+    <dgm:cxn modelId="{C2F2E783-4900-4154-A022-116FCE409F1F}" type="presOf" srcId="{F06F0734-EA2D-42A5-9037-B2FB6C9032A1}" destId="{82CF57A2-9BFF-4BDC-9FEC-9095EC86E437}" srcOrd="0" destOrd="0" presId="urn:microsoft.com/office/officeart/2005/8/layout/hierarchy2"/>
+    <dgm:cxn modelId="{23C7C813-C3E8-4484-8D15-D2ADCFDE187E}" type="presOf" srcId="{58931785-D1A7-4057-B221-AA6259087750}" destId="{7BF375AB-F70B-4829-89ED-58BA5B4C3501}" srcOrd="0" destOrd="0" presId="urn:microsoft.com/office/officeart/2005/8/layout/hierarchy2"/>
+    <dgm:cxn modelId="{121D5D41-FED9-4873-89BC-E9E262428E88}" srcId="{C626744A-EE97-4D7D-9EE4-2B04E78ACB8B}" destId="{CD85F115-329C-4746-B6CD-13E39E59A4C2}" srcOrd="0" destOrd="0" parTransId="{3DDEAF9B-F2F1-46F9-AD22-255C8010CC7C}" sibTransId="{EB8E70AA-333E-41FE-9CF0-EAC10D519AB5}"/>
+    <dgm:cxn modelId="{629D6202-462E-4F94-B8A7-39CB8AC70D98}" type="presOf" srcId="{F06F0734-EA2D-42A5-9037-B2FB6C9032A1}" destId="{29A444ED-9636-46B6-BE7A-885104B9822F}" srcOrd="1" destOrd="0" presId="urn:microsoft.com/office/officeart/2005/8/layout/hierarchy2"/>
+    <dgm:cxn modelId="{B217B614-2962-475A-8F5A-A0F04A579BE5}" type="presOf" srcId="{CD85F115-329C-4746-B6CD-13E39E59A4C2}" destId="{E7395C0D-6957-446C-9E91-1E365C003190}" srcOrd="0" destOrd="0" presId="urn:microsoft.com/office/officeart/2005/8/layout/hierarchy2"/>
+    <dgm:cxn modelId="{D4A89F91-B2C8-4B85-9EE9-E6446FE43725}" type="presOf" srcId="{181FBD91-68AB-4835-AF62-EC015CE61350}" destId="{CC2A4DA4-04AD-48CA-BB26-A639867E3BA2}" srcOrd="0" destOrd="0" presId="urn:microsoft.com/office/officeart/2005/8/layout/hierarchy2"/>
+    <dgm:cxn modelId="{A72E61C0-12F3-42D8-9FE7-2F82B2CC21A2}" srcId="{545403BC-40C6-43B0-BA68-1E1FCD40083D}" destId="{139C7D14-DA09-4850-8072-C0DB9081523C}" srcOrd="0" destOrd="0" parTransId="{3102626F-7CFB-4EDF-B9BC-3544295C845F}" sibTransId="{1748AEF1-307C-45B0-8488-3206FFD287AD}"/>
+    <dgm:cxn modelId="{B830AD7F-CBCD-4BA3-8462-E44BBA5EFA64}" type="presOf" srcId="{CB42C237-1260-4D57-8572-AF728A5C66EF}" destId="{58376671-7255-4483-9840-83B030C00160}" srcOrd="0" destOrd="0" presId="urn:microsoft.com/office/officeart/2005/8/layout/hierarchy2"/>
     <dgm:cxn modelId="{CF3239E4-227C-4129-8554-D46E5A5D4A98}" type="presOf" srcId="{44A9223B-89A7-4A98-B164-DFDDE69E3BA9}" destId="{C5B08121-E880-48EB-8A17-5153378F6BCE}" srcOrd="0" destOrd="0" presId="urn:microsoft.com/office/officeart/2005/8/layout/hierarchy2"/>
-    <dgm:cxn modelId="{7573B1F3-B2DF-4988-917C-29A6E7F52F5E}" type="presOf" srcId="{38EA737A-98D0-4A06-92E9-4E2F197B4A27}" destId="{60B7AE8D-6EEE-44D0-8C21-787636E412BD}" srcOrd="0" destOrd="0" presId="urn:microsoft.com/office/officeart/2005/8/layout/hierarchy2"/>
-    <dgm:cxn modelId="{5A669493-A24F-4DE1-991E-204EDEF810EF}" type="presOf" srcId="{3D6C26A9-3065-4280-8ED7-AB848B9E0B23}" destId="{DD602D3B-1876-4E99-AC87-AFF15016E71F}" srcOrd="0" destOrd="0" presId="urn:microsoft.com/office/officeart/2005/8/layout/hierarchy2"/>
-    <dgm:cxn modelId="{15752F31-4807-4FC1-8DCB-9A8418E75074}" type="presOf" srcId="{B689D8DE-CF09-4329-8EBE-BF34D0405F5F}" destId="{6DB80201-E08E-40B4-A369-BC7B776E9EF6}" srcOrd="0" destOrd="0" presId="urn:microsoft.com/office/officeart/2005/8/layout/hierarchy2"/>
-    <dgm:cxn modelId="{0C06D765-30D5-4F0E-98DB-B19376CAC0FA}" type="presOf" srcId="{C64AC093-9DEB-487F-AB77-62B26E09591F}" destId="{2E900CF8-9339-44A3-8BB3-49EE157DFD36}" srcOrd="0" destOrd="0" presId="urn:microsoft.com/office/officeart/2005/8/layout/hierarchy2"/>
-    <dgm:cxn modelId="{23C7C813-C3E8-4484-8D15-D2ADCFDE187E}" type="presOf" srcId="{58931785-D1A7-4057-B221-AA6259087750}" destId="{7BF375AB-F70B-4829-89ED-58BA5B4C3501}" srcOrd="0" destOrd="0" presId="urn:microsoft.com/office/officeart/2005/8/layout/hierarchy2"/>
-    <dgm:cxn modelId="{C8A1885E-AC9F-48A3-9D34-FAC8A5A87DEB}" type="presOf" srcId="{49A3DDC4-425C-4C8C-B6BA-2B6701C6A12A}" destId="{22F1F4FB-7A19-46EF-A547-E849282E849E}" srcOrd="0" destOrd="0" presId="urn:microsoft.com/office/officeart/2005/8/layout/hierarchy2"/>
-    <dgm:cxn modelId="{A72E61C0-12F3-42D8-9FE7-2F82B2CC21A2}" srcId="{545403BC-40C6-43B0-BA68-1E1FCD40083D}" destId="{139C7D14-DA09-4850-8072-C0DB9081523C}" srcOrd="0" destOrd="0" parTransId="{3102626F-7CFB-4EDF-B9BC-3544295C845F}" sibTransId="{1748AEF1-307C-45B0-8488-3206FFD287AD}"/>
-    <dgm:cxn modelId="{F85939C7-B67E-47BB-BB0E-B52C42E50930}" type="presOf" srcId="{14BA256F-ABA9-49B2-A12F-ED2CCE5D97B9}" destId="{52F7C414-CE7D-4E24-891D-A5D889BDA974}" srcOrd="0" destOrd="0" presId="urn:microsoft.com/office/officeart/2005/8/layout/hierarchy2"/>
-    <dgm:cxn modelId="{B830AD7F-CBCD-4BA3-8462-E44BBA5EFA64}" type="presOf" srcId="{CB42C237-1260-4D57-8572-AF728A5C66EF}" destId="{58376671-7255-4483-9840-83B030C00160}" srcOrd="0" destOrd="0" presId="urn:microsoft.com/office/officeart/2005/8/layout/hierarchy2"/>
-    <dgm:cxn modelId="{D39F7632-A6D4-41C0-BF56-F34E0B40F6FE}" type="presOf" srcId="{5AB33E62-4DC7-4EE4-ACEC-3BFE7590494A}" destId="{FC72337D-7B3E-46A6-81E9-4D4876D10BDB}" srcOrd="0" destOrd="0" presId="urn:microsoft.com/office/officeart/2005/8/layout/hierarchy2"/>
     <dgm:cxn modelId="{8FBA8B6C-6197-47D0-B4E3-9691AC0C6A9F}" type="presOf" srcId="{B3EEDF9C-184B-4C70-905F-CA7AFA3EF5B9}" destId="{575D1F8C-5B1D-41CE-99DB-693659514D2B}" srcOrd="0" destOrd="0" presId="urn:microsoft.com/office/officeart/2005/8/layout/hierarchy2"/>
     <dgm:cxn modelId="{0D21F909-57F2-4DC1-9A50-7FCA715BBD42}" srcId="{39FFD4AA-A124-4F27-B855-D59A00435B15}" destId="{545403BC-40C6-43B0-BA68-1E1FCD40083D}" srcOrd="0" destOrd="0" parTransId="{DAEDCB7F-A52A-42E9-9C0B-3114E7DA4E56}" sibTransId="{B79EABB7-1672-44BC-9D1B-D7DA1533F1C0}"/>
-    <dgm:cxn modelId="{C2F2E783-4900-4154-A022-116FCE409F1F}" type="presOf" srcId="{F06F0734-EA2D-42A5-9037-B2FB6C9032A1}" destId="{82CF57A2-9BFF-4BDC-9FEC-9095EC86E437}" srcOrd="0" destOrd="0" presId="urn:microsoft.com/office/officeart/2005/8/layout/hierarchy2"/>
-    <dgm:cxn modelId="{DA58D6A8-BCE9-4E46-8643-2A520AE48FA4}" srcId="{079FB288-78D8-4AE3-B7E2-74F80CAE5892}" destId="{14BA256F-ABA9-49B2-A12F-ED2CCE5D97B9}" srcOrd="0" destOrd="0" parTransId="{CB42C237-1260-4D57-8572-AF728A5C66EF}" sibTransId="{A99D1654-F0DC-4688-97D3-151E5095B5D3}"/>
     <dgm:cxn modelId="{35910851-1045-4BD9-94B4-52CEDADFDFD4}" type="presOf" srcId="{406F47FE-6D42-47C7-9208-5941F9A7D7CB}" destId="{E7A2173C-108E-4780-B19F-52A5A93CE599}" srcOrd="1" destOrd="0" presId="urn:microsoft.com/office/officeart/2005/8/layout/hierarchy2"/>
+    <dgm:cxn modelId="{0C4050ED-D9B1-4E05-B096-86A8A87C8635}" type="presOf" srcId="{139C7D14-DA09-4850-8072-C0DB9081523C}" destId="{491CCBE5-49DF-4375-B178-811F45C23044}" srcOrd="0" destOrd="0" presId="urn:microsoft.com/office/officeart/2005/8/layout/hierarchy2"/>
+    <dgm:cxn modelId="{244E5FF2-6B51-4C3F-8877-187108B2B665}" type="presOf" srcId="{545403BC-40C6-43B0-BA68-1E1FCD40083D}" destId="{8557AE4D-D2B7-4A53-AA87-E3C6C8022E4D}" srcOrd="0" destOrd="0" presId="urn:microsoft.com/office/officeart/2005/8/layout/hierarchy2"/>
+    <dgm:cxn modelId="{15752F31-4807-4FC1-8DCB-9A8418E75074}" type="presOf" srcId="{B689D8DE-CF09-4329-8EBE-BF34D0405F5F}" destId="{6DB80201-E08E-40B4-A369-BC7B776E9EF6}" srcOrd="0" destOrd="0" presId="urn:microsoft.com/office/officeart/2005/8/layout/hierarchy2"/>
+    <dgm:cxn modelId="{84AEFEC0-415E-410B-88F0-2D1B4B34130D}" srcId="{B689D8DE-CF09-4329-8EBE-BF34D0405F5F}" destId="{079FB288-78D8-4AE3-B7E2-74F80CAE5892}" srcOrd="0" destOrd="0" parTransId="{3D6C26A9-3065-4280-8ED7-AB848B9E0B23}" sibTransId="{D8EE8C6B-1CA1-446C-8FFA-70493AAC9F40}"/>
+    <dgm:cxn modelId="{90ABBD7F-535A-451B-80E4-28E0A02D6D6A}" type="presOf" srcId="{4D49AF40-7CEB-4DA8-AEA1-BC6F7D40A0D6}" destId="{617451F6-02F5-4B5F-9C82-217A464ED8C7}" srcOrd="0" destOrd="0" presId="urn:microsoft.com/office/officeart/2005/8/layout/hierarchy2"/>
+    <dgm:cxn modelId="{89D1339E-79BE-4A1B-8228-FC0322CFDF7E}" type="presOf" srcId="{6459FBB0-DA41-463E-9179-CD4166007C1F}" destId="{14483275-D448-415B-8470-2358E1DC79D7}" srcOrd="0" destOrd="0" presId="urn:microsoft.com/office/officeart/2005/8/layout/hierarchy2"/>
+    <dgm:cxn modelId="{78ED5BE6-27CB-4965-BB5D-74F25C8865F3}" type="presOf" srcId="{3DDEAF9B-F2F1-46F9-AD22-255C8010CC7C}" destId="{E56F25DF-E7F6-42A2-9C4A-9E0CD9C0ADAE}" srcOrd="0" destOrd="0" presId="urn:microsoft.com/office/officeart/2005/8/layout/hierarchy2"/>
     <dgm:cxn modelId="{0BE768B1-C33B-4B9D-A6D7-AB46719CAA0A}" srcId="{39FFD4AA-A124-4F27-B855-D59A00435B15}" destId="{4D49AF40-7CEB-4DA8-AEA1-BC6F7D40A0D6}" srcOrd="1" destOrd="0" parTransId="{58931785-D1A7-4057-B221-AA6259087750}" sibTransId="{6A036B06-2898-447E-908A-2700E9D8EFE8}"/>
-    <dgm:cxn modelId="{8A446667-C6E2-448C-8244-101740C42160}" srcId="{4D49AF40-7CEB-4DA8-AEA1-BC6F7D40A0D6}" destId="{49A3DDC4-425C-4C8C-B6BA-2B6701C6A12A}" srcOrd="0" destOrd="0" parTransId="{5AB33E62-4DC7-4EE4-ACEC-3BFE7590494A}" sibTransId="{DE10A5AD-DFE0-4086-B279-F96D09E511EC}"/>
-    <dgm:cxn modelId="{B5C30AA8-314B-429E-A470-DB0D9D6D4AC1}" type="presOf" srcId="{DAEDCB7F-A52A-42E9-9C0B-3114E7DA4E56}" destId="{5F10F69B-43CA-400A-B9D9-2F06FEA6306F}" srcOrd="1" destOrd="0" presId="urn:microsoft.com/office/officeart/2005/8/layout/hierarchy2"/>
-    <dgm:cxn modelId="{86F8E089-8A10-4F6D-9EBB-73EDC36A57DF}" type="presOf" srcId="{1C378682-3B14-4C41-8B7D-B4CDDC6D5C7B}" destId="{D4B29442-F43F-44A1-9E2E-9C2FE1F6E2D4}" srcOrd="0" destOrd="0" presId="urn:microsoft.com/office/officeart/2005/8/layout/hierarchy2"/>
-    <dgm:cxn modelId="{2FB27BBA-E56F-4140-9740-074D80907576}" type="presOf" srcId="{A48E0A29-AACD-43F9-A7EA-032F8E2F94BB}" destId="{D2C72BA1-3DDE-4AB7-917B-32F319C3DC3D}" srcOrd="0" destOrd="0" presId="urn:microsoft.com/office/officeart/2005/8/layout/hierarchy2"/>
-    <dgm:cxn modelId="{EB8FFCB4-FAAF-4FAC-941A-8AB4B313857F}" type="presOf" srcId="{1C378682-3B14-4C41-8B7D-B4CDDC6D5C7B}" destId="{2771A3B0-FD1B-43E0-826E-9E67F9A5A78B}" srcOrd="1" destOrd="0" presId="urn:microsoft.com/office/officeart/2005/8/layout/hierarchy2"/>
-    <dgm:cxn modelId="{D4A89F91-B2C8-4B85-9EE9-E6446FE43725}" type="presOf" srcId="{181FBD91-68AB-4835-AF62-EC015CE61350}" destId="{CC2A4DA4-04AD-48CA-BB26-A639867E3BA2}" srcOrd="0" destOrd="0" presId="urn:microsoft.com/office/officeart/2005/8/layout/hierarchy2"/>
+    <dgm:cxn modelId="{CDB15822-03E7-444A-AFDA-2AEB478E93E0}" type="presOf" srcId="{58931785-D1A7-4057-B221-AA6259087750}" destId="{BFA54812-EE2D-4A6A-8445-5AD1A12E0CAC}" srcOrd="1" destOrd="0" presId="urn:microsoft.com/office/officeart/2005/8/layout/hierarchy2"/>
+    <dgm:cxn modelId="{A2360700-BAD4-451A-9D69-E697D283DD02}" type="presOf" srcId="{CB42C237-1260-4D57-8572-AF728A5C66EF}" destId="{696BF2F7-BB6E-454F-BCD5-8E394FF656F1}" srcOrd="1" destOrd="0" presId="urn:microsoft.com/office/officeart/2005/8/layout/hierarchy2"/>
     <dgm:cxn modelId="{0AD6B6EF-5812-484E-B1A7-FA8FBBB6AA0B}" type="presOf" srcId="{0367407A-B331-43A8-A835-52C1CC071464}" destId="{D5DA7A14-F1CF-444D-B648-7C1C7973D432}" srcOrd="0" destOrd="0" presId="urn:microsoft.com/office/officeart/2005/8/layout/hierarchy2"/>
-    <dgm:cxn modelId="{D753ABBB-DC91-4259-87AE-97752901AE68}" srcId="{B689D8DE-CF09-4329-8EBE-BF34D0405F5F}" destId="{C626744A-EE97-4D7D-9EE4-2B04E78ACB8B}" srcOrd="2" destOrd="0" parTransId="{C64AC093-9DEB-487F-AB77-62B26E09591F}" sibTransId="{A5B95C08-6F31-4AB8-8398-64F3D2FDAF14}"/>
-    <dgm:cxn modelId="{0C4050ED-D9B1-4E05-B096-86A8A87C8635}" type="presOf" srcId="{139C7D14-DA09-4850-8072-C0DB9081523C}" destId="{491CCBE5-49DF-4375-B178-811F45C23044}" srcOrd="0" destOrd="0" presId="urn:microsoft.com/office/officeart/2005/8/layout/hierarchy2"/>
+    <dgm:cxn modelId="{CA0501B8-A2B4-4C6D-A7CA-5C5F9D41D8CC}" type="presOf" srcId="{39FFD4AA-A124-4F27-B855-D59A00435B15}" destId="{FF503304-CCE6-4A1C-990C-5578FA7DBE2F}" srcOrd="0" destOrd="0" presId="urn:microsoft.com/office/officeart/2005/8/layout/hierarchy2"/>
+    <dgm:cxn modelId="{7573B1F3-B2DF-4988-917C-29A6E7F52F5E}" type="presOf" srcId="{38EA737A-98D0-4A06-92E9-4E2F197B4A27}" destId="{60B7AE8D-6EEE-44D0-8C21-787636E412BD}" srcOrd="0" destOrd="0" presId="urn:microsoft.com/office/officeart/2005/8/layout/hierarchy2"/>
+    <dgm:cxn modelId="{D39F7632-A6D4-41C0-BF56-F34E0B40F6FE}" type="presOf" srcId="{5AB33E62-4DC7-4EE4-ACEC-3BFE7590494A}" destId="{FC72337D-7B3E-46A6-81E9-4D4876D10BDB}" srcOrd="0" destOrd="0" presId="urn:microsoft.com/office/officeart/2005/8/layout/hierarchy2"/>
+    <dgm:cxn modelId="{0C06D765-30D5-4F0E-98DB-B19376CAC0FA}" type="presOf" srcId="{C64AC093-9DEB-487F-AB77-62B26E09591F}" destId="{2E900CF8-9339-44A3-8BB3-49EE157DFD36}" srcOrd="0" destOrd="0" presId="urn:microsoft.com/office/officeart/2005/8/layout/hierarchy2"/>
+    <dgm:cxn modelId="{FE961932-C8D9-4BA7-A7E0-0B0F788ADC14}" type="presOf" srcId="{406F47FE-6D42-47C7-9208-5941F9A7D7CB}" destId="{28A91AF3-F4DA-46D9-A6C2-E9981AE15014}" srcOrd="0" destOrd="0" presId="urn:microsoft.com/office/officeart/2005/8/layout/hierarchy2"/>
     <dgm:cxn modelId="{95571469-6577-4319-903D-B4B776A78211}" type="presOf" srcId="{3D6C26A9-3065-4280-8ED7-AB848B9E0B23}" destId="{9DB3BA37-0700-4C02-A5B9-95D3D409F065}" srcOrd="1" destOrd="0" presId="urn:microsoft.com/office/officeart/2005/8/layout/hierarchy2"/>
-    <dgm:cxn modelId="{CA0501B8-A2B4-4C6D-A7CA-5C5F9D41D8CC}" type="presOf" srcId="{39FFD4AA-A124-4F27-B855-D59A00435B15}" destId="{FF503304-CCE6-4A1C-990C-5578FA7DBE2F}" srcOrd="0" destOrd="0" presId="urn:microsoft.com/office/officeart/2005/8/layout/hierarchy2"/>
-    <dgm:cxn modelId="{78ED5BE6-27CB-4965-BB5D-74F25C8865F3}" type="presOf" srcId="{3DDEAF9B-F2F1-46F9-AD22-255C8010CC7C}" destId="{E56F25DF-E7F6-42A2-9C4A-9E0CD9C0ADAE}" srcOrd="0" destOrd="0" presId="urn:microsoft.com/office/officeart/2005/8/layout/hierarchy2"/>
-    <dgm:cxn modelId="{89D1339E-79BE-4A1B-8228-FC0322CFDF7E}" type="presOf" srcId="{6459FBB0-DA41-463E-9179-CD4166007C1F}" destId="{14483275-D448-415B-8470-2358E1DC79D7}" srcOrd="0" destOrd="0" presId="urn:microsoft.com/office/officeart/2005/8/layout/hierarchy2"/>
-    <dgm:cxn modelId="{8204C710-12B8-4BD5-8291-55D79E7104DE}" srcId="{B689D8DE-CF09-4329-8EBE-BF34D0405F5F}" destId="{39FFD4AA-A124-4F27-B855-D59A00435B15}" srcOrd="1" destOrd="0" parTransId="{406F47FE-6D42-47C7-9208-5941F9A7D7CB}" sibTransId="{858B088B-F8C7-4042-8705-0C1B614D9B63}"/>
-    <dgm:cxn modelId="{A2360700-BAD4-451A-9D69-E697D283DD02}" type="presOf" srcId="{CB42C237-1260-4D57-8572-AF728A5C66EF}" destId="{696BF2F7-BB6E-454F-BCD5-8E394FF656F1}" srcOrd="1" destOrd="0" presId="urn:microsoft.com/office/officeart/2005/8/layout/hierarchy2"/>
-    <dgm:cxn modelId="{EADCEE26-ACDC-48C5-8569-F2630DCC5ADD}" type="presOf" srcId="{DAEDCB7F-A52A-42E9-9C0B-3114E7DA4E56}" destId="{447F65B9-1F2A-4FBB-ACD1-ABFC2FCF7F43}" srcOrd="0" destOrd="0" presId="urn:microsoft.com/office/officeart/2005/8/layout/hierarchy2"/>
-    <dgm:cxn modelId="{90ABBD7F-535A-451B-80E4-28E0A02D6D6A}" type="presOf" srcId="{4D49AF40-7CEB-4DA8-AEA1-BC6F7D40A0D6}" destId="{617451F6-02F5-4B5F-9C82-217A464ED8C7}" srcOrd="0" destOrd="0" presId="urn:microsoft.com/office/officeart/2005/8/layout/hierarchy2"/>
-    <dgm:cxn modelId="{629D6202-462E-4F94-B8A7-39CB8AC70D98}" type="presOf" srcId="{F06F0734-EA2D-42A5-9037-B2FB6C9032A1}" destId="{29A444ED-9636-46B6-BE7A-885104B9822F}" srcOrd="1" destOrd="0" presId="urn:microsoft.com/office/officeart/2005/8/layout/hierarchy2"/>
-    <dgm:cxn modelId="{FAEFDCBF-4610-489F-9F53-C49868714BD1}" type="presOf" srcId="{181FBD91-68AB-4835-AF62-EC015CE61350}" destId="{B864B941-214B-43C6-9FDD-BA89E3CBDA31}" srcOrd="1" destOrd="0" presId="urn:microsoft.com/office/officeart/2005/8/layout/hierarchy2"/>
-    <dgm:cxn modelId="{6CCA184D-C094-4ABC-A57D-0A327D6018EE}" type="presOf" srcId="{C64AC093-9DEB-487F-AB77-62B26E09591F}" destId="{5033B1DF-BE2C-413E-A6CD-E2F5A0863159}" srcOrd="1" destOrd="0" presId="urn:microsoft.com/office/officeart/2005/8/layout/hierarchy2"/>
-    <dgm:cxn modelId="{EDAE94EA-A96C-463F-BB6C-0AD214560885}" type="presOf" srcId="{3102626F-7CFB-4EDF-B9BC-3544295C845F}" destId="{25E9BE56-299E-4C35-AEFA-CD5617E93DF6}" srcOrd="0" destOrd="0" presId="urn:microsoft.com/office/officeart/2005/8/layout/hierarchy2"/>
-    <dgm:cxn modelId="{0B98E1E4-0422-4297-AAAC-1FC027DBA909}" srcId="{39FFD4AA-A124-4F27-B855-D59A00435B15}" destId="{A48E0A29-AACD-43F9-A7EA-032F8E2F94BB}" srcOrd="3" destOrd="0" parTransId="{F06F0734-EA2D-42A5-9037-B2FB6C9032A1}" sibTransId="{0066505A-86B3-4398-97B7-8C08BBCF514A}"/>
-    <dgm:cxn modelId="{9A006890-90F5-4A80-ACA7-12AFC97E7139}" type="presOf" srcId="{079FB288-78D8-4AE3-B7E2-74F80CAE5892}" destId="{FD452309-8A1F-414B-90A7-6D1366D9E53A}" srcOrd="0" destOrd="0" presId="urn:microsoft.com/office/officeart/2005/8/layout/hierarchy2"/>
-    <dgm:cxn modelId="{244E5FF2-6B51-4C3F-8877-187108B2B665}" type="presOf" srcId="{545403BC-40C6-43B0-BA68-1E1FCD40083D}" destId="{8557AE4D-D2B7-4A53-AA87-E3C6C8022E4D}" srcOrd="0" destOrd="0" presId="urn:microsoft.com/office/officeart/2005/8/layout/hierarchy2"/>
-    <dgm:cxn modelId="{F920B45C-8901-4726-8031-3DD43F6873EE}" srcId="{B3EEDF9C-184B-4C70-905F-CA7AFA3EF5B9}" destId="{6459FBB0-DA41-463E-9179-CD4166007C1F}" srcOrd="0" destOrd="0" parTransId="{181FBD91-68AB-4835-AF62-EC015CE61350}" sibTransId="{2B44CE1F-ECA1-417B-8FAD-B4672EA7C4FF}"/>
-    <dgm:cxn modelId="{84AEFEC0-415E-410B-88F0-2D1B4B34130D}" srcId="{B689D8DE-CF09-4329-8EBE-BF34D0405F5F}" destId="{079FB288-78D8-4AE3-B7E2-74F80CAE5892}" srcOrd="0" destOrd="0" parTransId="{3D6C26A9-3065-4280-8ED7-AB848B9E0B23}" sibTransId="{D8EE8C6B-1CA1-446C-8FFA-70493AAC9F40}"/>
-    <dgm:cxn modelId="{CDB15822-03E7-444A-AFDA-2AEB478E93E0}" type="presOf" srcId="{58931785-D1A7-4057-B221-AA6259087750}" destId="{BFA54812-EE2D-4A6A-8445-5AD1A12E0CAC}" srcOrd="1" destOrd="0" presId="urn:microsoft.com/office/officeart/2005/8/layout/hierarchy2"/>
-    <dgm:cxn modelId="{51A8D6DE-ED35-496F-8E86-62CB8E33A5CD}" type="presOf" srcId="{0367407A-B331-43A8-A835-52C1CC071464}" destId="{33AEF5F6-F501-4F99-815C-81CA3194CE5D}" srcOrd="1" destOrd="0" presId="urn:microsoft.com/office/officeart/2005/8/layout/hierarchy2"/>
-    <dgm:cxn modelId="{3DC599F5-1FCC-4206-93B9-4869391AE7ED}" type="presOf" srcId="{3DDEAF9B-F2F1-46F9-AD22-255C8010CC7C}" destId="{588AF801-A97E-42CB-9622-8A5A085CC75A}" srcOrd="1" destOrd="0" presId="urn:microsoft.com/office/officeart/2005/8/layout/hierarchy2"/>
-    <dgm:cxn modelId="{121D5D41-FED9-4873-89BC-E9E262428E88}" srcId="{C626744A-EE97-4D7D-9EE4-2B04E78ACB8B}" destId="{CD85F115-329C-4746-B6CD-13E39E59A4C2}" srcOrd="0" destOrd="0" parTransId="{3DDEAF9B-F2F1-46F9-AD22-255C8010CC7C}" sibTransId="{EB8E70AA-333E-41FE-9CF0-EAC10D519AB5}"/>
-    <dgm:cxn modelId="{56896155-91E2-4F54-9A8A-A19FFFB313E8}" srcId="{44A9223B-89A7-4A98-B164-DFDDE69E3BA9}" destId="{B689D8DE-CF09-4329-8EBE-BF34D0405F5F}" srcOrd="0" destOrd="0" parTransId="{991F9394-D37E-4159-B76F-331764A259CE}" sibTransId="{3FF43506-2D16-40C6-A4C8-ED44DAE7BC5E}"/>
-    <dgm:cxn modelId="{B217B614-2962-475A-8F5A-A0F04A579BE5}" type="presOf" srcId="{CD85F115-329C-4746-B6CD-13E39E59A4C2}" destId="{E7395C0D-6957-446C-9E91-1E365C003190}" srcOrd="0" destOrd="0" presId="urn:microsoft.com/office/officeart/2005/8/layout/hierarchy2"/>
-    <dgm:cxn modelId="{08A5BC99-49D8-4B5B-AFD1-7E2B6BE57A21}" srcId="{39FFD4AA-A124-4F27-B855-D59A00435B15}" destId="{B3EEDF9C-184B-4C70-905F-CA7AFA3EF5B9}" srcOrd="2" destOrd="0" parTransId="{0367407A-B331-43A8-A835-52C1CC071464}" sibTransId="{F3B8693A-B9C7-458A-920F-76A59FF35554}"/>
-    <dgm:cxn modelId="{FE961932-C8D9-4BA7-A7E0-0B0F788ADC14}" type="presOf" srcId="{406F47FE-6D42-47C7-9208-5941F9A7D7CB}" destId="{28A91AF3-F4DA-46D9-A6C2-E9981AE15014}" srcOrd="0" destOrd="0" presId="urn:microsoft.com/office/officeart/2005/8/layout/hierarchy2"/>
-    <dgm:cxn modelId="{295EF73A-E407-4D67-82B7-E9A729D302FA}" type="presOf" srcId="{C626744A-EE97-4D7D-9EE4-2B04E78ACB8B}" destId="{60869B68-1ED3-46EB-BC75-6C54E3547ABD}" srcOrd="0" destOrd="0" presId="urn:microsoft.com/office/officeart/2005/8/layout/hierarchy2"/>
-    <dgm:cxn modelId="{B5AC2237-410E-4B6E-AD5A-A9F5D576CCF5}" type="presOf" srcId="{3102626F-7CFB-4EDF-B9BC-3544295C845F}" destId="{02C0F7DE-7DEB-4728-94A8-675F08C61B61}" srcOrd="1" destOrd="0" presId="urn:microsoft.com/office/officeart/2005/8/layout/hierarchy2"/>
     <dgm:cxn modelId="{F9C5E68F-312E-4AD3-BE21-A155BAD51F03}" type="presParOf" srcId="{C5B08121-E880-48EB-8A17-5153378F6BCE}" destId="{068DAF1A-AA29-42AE-A527-16E78A18FB51}" srcOrd="0" destOrd="0" presId="urn:microsoft.com/office/officeart/2005/8/layout/hierarchy2"/>
     <dgm:cxn modelId="{85E8BE61-BAF0-45FD-9BBB-314644BC36CC}" type="presParOf" srcId="{068DAF1A-AA29-42AE-A527-16E78A18FB51}" destId="{6DB80201-E08E-40B4-A369-BC7B776E9EF6}" srcOrd="0" destOrd="0" presId="urn:microsoft.com/office/officeart/2005/8/layout/hierarchy2"/>
     <dgm:cxn modelId="{45632B81-9574-4ACB-8DD5-02A360FE17E7}" type="presParOf" srcId="{068DAF1A-AA29-42AE-A527-16E78A18FB51}" destId="{2A065C2A-11A3-46CC-90C5-815AA2B1A167}" srcOrd="1" destOrd="0" presId="urn:microsoft.com/office/officeart/2005/8/layout/hierarchy2"/>
@@ -9027,7 +9027,7 @@
             <a:fld id="{C9CD41DD-2995-4DF1-86B6-6F421C18E4C3}" type="datetimeFigureOut">
               <a:rPr lang="en-US" smtClean="0"/>
               <a:pPr/>
-              <a:t>5/9/2024</a:t>
+              <a:t>5/10/2024</a:t>
             </a:fld>
             <a:endParaRPr lang="en-IN"/>
           </a:p>
@@ -10011,7 +10011,7 @@
             <a:fld id="{C77E4C06-FCC2-4C21-BF50-8A2E8941F588}" type="datetimeFigureOut">
               <a:rPr lang="en-US" smtClean="0"/>
               <a:pPr/>
-              <a:t>5/9/2024</a:t>
+              <a:t>5/10/2024</a:t>
             </a:fld>
             <a:endParaRPr lang="en-US"/>
           </a:p>
@@ -10235,7 +10235,7 @@
             <a:fld id="{C77E4C06-FCC2-4C21-BF50-8A2E8941F588}" type="datetimeFigureOut">
               <a:rPr lang="en-US" smtClean="0"/>
               <a:pPr/>
-              <a:t>5/9/2024</a:t>
+              <a:t>5/10/2024</a:t>
             </a:fld>
             <a:endParaRPr lang="en-US"/>
           </a:p>
@@ -10422,7 +10422,7 @@
             <a:fld id="{C77E4C06-FCC2-4C21-BF50-8A2E8941F588}" type="datetimeFigureOut">
               <a:rPr lang="en-US" smtClean="0"/>
               <a:pPr/>
-              <a:t>5/9/2024</a:t>
+              <a:t>5/10/2024</a:t>
             </a:fld>
             <a:endParaRPr lang="en-US"/>
           </a:p>
@@ -10574,7 +10574,7 @@
             <a:fld id="{C77E4C06-FCC2-4C21-BF50-8A2E8941F588}" type="datetimeFigureOut">
               <a:rPr lang="en-US" smtClean="0"/>
               <a:pPr/>
-              <a:t>5/9/2024</a:t>
+              <a:t>5/10/2024</a:t>
             </a:fld>
             <a:endParaRPr lang="en-US"/>
           </a:p>
@@ -10831,7 +10831,7 @@
             <a:fld id="{C77E4C06-FCC2-4C21-BF50-8A2E8941F588}" type="datetimeFigureOut">
               <a:rPr lang="en-US" smtClean="0"/>
               <a:pPr/>
-              <a:t>5/9/2024</a:t>
+              <a:t>5/10/2024</a:t>
             </a:fld>
             <a:endParaRPr lang="en-US"/>
           </a:p>
@@ -11242,7 +11242,7 @@
             <a:fld id="{C77E4C06-FCC2-4C21-BF50-8A2E8941F588}" type="datetimeFigureOut">
               <a:rPr lang="en-US" smtClean="0"/>
               <a:pPr/>
-              <a:t>5/9/2024</a:t>
+              <a:t>5/10/2024</a:t>
             </a:fld>
             <a:endParaRPr lang="en-US"/>
           </a:p>
@@ -11690,7 +11690,7 @@
             <a:fld id="{C77E4C06-FCC2-4C21-BF50-8A2E8941F588}" type="datetimeFigureOut">
               <a:rPr lang="en-US" smtClean="0"/>
               <a:pPr/>
-              <a:t>5/9/2024</a:t>
+              <a:t>5/10/2024</a:t>
             </a:fld>
             <a:endParaRPr lang="en-US"/>
           </a:p>
@@ -11819,7 +11819,7 @@
             <a:fld id="{C77E4C06-FCC2-4C21-BF50-8A2E8941F588}" type="datetimeFigureOut">
               <a:rPr lang="en-US" smtClean="0"/>
               <a:pPr/>
-              <a:t>5/9/2024</a:t>
+              <a:t>5/10/2024</a:t>
             </a:fld>
             <a:endParaRPr lang="en-US"/>
           </a:p>
@@ -11942,7 +11942,7 @@
             <a:fld id="{C77E4C06-FCC2-4C21-BF50-8A2E8941F588}" type="datetimeFigureOut">
               <a:rPr lang="en-US" smtClean="0"/>
               <a:pPr/>
-              <a:t>5/9/2024</a:t>
+              <a:t>5/10/2024</a:t>
             </a:fld>
             <a:endParaRPr lang="en-US"/>
           </a:p>
@@ -12218,7 +12218,7 @@
             <a:fld id="{C77E4C06-FCC2-4C21-BF50-8A2E8941F588}" type="datetimeFigureOut">
               <a:rPr lang="en-US" smtClean="0"/>
               <a:pPr/>
-              <a:t>5/9/2024</a:t>
+              <a:t>5/10/2024</a:t>
             </a:fld>
             <a:endParaRPr lang="en-US"/>
           </a:p>
@@ -12451,7 +12451,7 @@
             <a:fld id="{C77E4C06-FCC2-4C21-BF50-8A2E8941F588}" type="datetimeFigureOut">
               <a:rPr lang="en-US" smtClean="0"/>
               <a:pPr/>
-              <a:t>5/9/2024</a:t>
+              <a:t>5/10/2024</a:t>
             </a:fld>
             <a:endParaRPr lang="en-US"/>
           </a:p>
@@ -13588,7 +13588,7 @@
             <a:fld id="{C77E4C06-FCC2-4C21-BF50-8A2E8941F588}" type="datetimeFigureOut">
               <a:rPr lang="en-US" smtClean="0"/>
               <a:pPr/>
-              <a:t>5/9/2024</a:t>
+              <a:t>5/10/2024</a:t>
             </a:fld>
             <a:endParaRPr lang="en-US"/>
           </a:p>

--- a/Session_2_Java Basics.pptx
+++ b/Session_2_Java Basics.pptx
@@ -3232,61 +3232,61 @@
     </dgm:pt>
   </dgm:ptLst>
   <dgm:cxnLst>
-    <dgm:cxn modelId="{B5AC2237-410E-4B6E-AD5A-A9F5D576CCF5}" type="presOf" srcId="{3102626F-7CFB-4EDF-B9BC-3544295C845F}" destId="{02C0F7DE-7DEB-4728-94A8-675F08C61B61}" srcOrd="1" destOrd="0" presId="urn:microsoft.com/office/officeart/2005/8/layout/hierarchy2"/>
+    <dgm:cxn modelId="{182D7889-A65C-4BAB-8D51-5BB9E795717D}" srcId="{A48E0A29-AACD-43F9-A7EA-032F8E2F94BB}" destId="{38EA737A-98D0-4A06-92E9-4E2F197B4A27}" srcOrd="0" destOrd="0" parTransId="{1C378682-3B14-4C41-8B7D-B4CDDC6D5C7B}" sibTransId="{7337B31E-7AAC-4418-9711-69F92B532485}"/>
+    <dgm:cxn modelId="{D1D719B4-CEE0-4AAA-8794-067783427AAB}" type="presOf" srcId="{5AB33E62-4DC7-4EE4-ACEC-3BFE7590494A}" destId="{3DA81BC4-75BC-42C3-A2A0-580D81FEA2E0}" srcOrd="1" destOrd="0" presId="urn:microsoft.com/office/officeart/2005/8/layout/hierarchy2"/>
+    <dgm:cxn modelId="{CF3239E4-227C-4129-8554-D46E5A5D4A98}" type="presOf" srcId="{44A9223B-89A7-4A98-B164-DFDDE69E3BA9}" destId="{C5B08121-E880-48EB-8A17-5153378F6BCE}" srcOrd="0" destOrd="0" presId="urn:microsoft.com/office/officeart/2005/8/layout/hierarchy2"/>
+    <dgm:cxn modelId="{7573B1F3-B2DF-4988-917C-29A6E7F52F5E}" type="presOf" srcId="{38EA737A-98D0-4A06-92E9-4E2F197B4A27}" destId="{60B7AE8D-6EEE-44D0-8C21-787636E412BD}" srcOrd="0" destOrd="0" presId="urn:microsoft.com/office/officeart/2005/8/layout/hierarchy2"/>
+    <dgm:cxn modelId="{5A669493-A24F-4DE1-991E-204EDEF810EF}" type="presOf" srcId="{3D6C26A9-3065-4280-8ED7-AB848B9E0B23}" destId="{DD602D3B-1876-4E99-AC87-AFF15016E71F}" srcOrd="0" destOrd="0" presId="urn:microsoft.com/office/officeart/2005/8/layout/hierarchy2"/>
+    <dgm:cxn modelId="{15752F31-4807-4FC1-8DCB-9A8418E75074}" type="presOf" srcId="{B689D8DE-CF09-4329-8EBE-BF34D0405F5F}" destId="{6DB80201-E08E-40B4-A369-BC7B776E9EF6}" srcOrd="0" destOrd="0" presId="urn:microsoft.com/office/officeart/2005/8/layout/hierarchy2"/>
+    <dgm:cxn modelId="{0C06D765-30D5-4F0E-98DB-B19376CAC0FA}" type="presOf" srcId="{C64AC093-9DEB-487F-AB77-62B26E09591F}" destId="{2E900CF8-9339-44A3-8BB3-49EE157DFD36}" srcOrd="0" destOrd="0" presId="urn:microsoft.com/office/officeart/2005/8/layout/hierarchy2"/>
+    <dgm:cxn modelId="{23C7C813-C3E8-4484-8D15-D2ADCFDE187E}" type="presOf" srcId="{58931785-D1A7-4057-B221-AA6259087750}" destId="{7BF375AB-F70B-4829-89ED-58BA5B4C3501}" srcOrd="0" destOrd="0" presId="urn:microsoft.com/office/officeart/2005/8/layout/hierarchy2"/>
+    <dgm:cxn modelId="{C8A1885E-AC9F-48A3-9D34-FAC8A5A87DEB}" type="presOf" srcId="{49A3DDC4-425C-4C8C-B6BA-2B6701C6A12A}" destId="{22F1F4FB-7A19-46EF-A547-E849282E849E}" srcOrd="0" destOrd="0" presId="urn:microsoft.com/office/officeart/2005/8/layout/hierarchy2"/>
+    <dgm:cxn modelId="{A72E61C0-12F3-42D8-9FE7-2F82B2CC21A2}" srcId="{545403BC-40C6-43B0-BA68-1E1FCD40083D}" destId="{139C7D14-DA09-4850-8072-C0DB9081523C}" srcOrd="0" destOrd="0" parTransId="{3102626F-7CFB-4EDF-B9BC-3544295C845F}" sibTransId="{1748AEF1-307C-45B0-8488-3206FFD287AD}"/>
     <dgm:cxn modelId="{F85939C7-B67E-47BB-BB0E-B52C42E50930}" type="presOf" srcId="{14BA256F-ABA9-49B2-A12F-ED2CCE5D97B9}" destId="{52F7C414-CE7D-4E24-891D-A5D889BDA974}" srcOrd="0" destOrd="0" presId="urn:microsoft.com/office/officeart/2005/8/layout/hierarchy2"/>
-    <dgm:cxn modelId="{08A5BC99-49D8-4B5B-AFD1-7E2B6BE57A21}" srcId="{39FFD4AA-A124-4F27-B855-D59A00435B15}" destId="{B3EEDF9C-184B-4C70-905F-CA7AFA3EF5B9}" srcOrd="2" destOrd="0" parTransId="{0367407A-B331-43A8-A835-52C1CC071464}" sibTransId="{F3B8693A-B9C7-458A-920F-76A59FF35554}"/>
-    <dgm:cxn modelId="{6CCA184D-C094-4ABC-A57D-0A327D6018EE}" type="presOf" srcId="{C64AC093-9DEB-487F-AB77-62B26E09591F}" destId="{5033B1DF-BE2C-413E-A6CD-E2F5A0863159}" srcOrd="1" destOrd="0" presId="urn:microsoft.com/office/officeart/2005/8/layout/hierarchy2"/>
-    <dgm:cxn modelId="{D1D719B4-CEE0-4AAA-8794-067783427AAB}" type="presOf" srcId="{5AB33E62-4DC7-4EE4-ACEC-3BFE7590494A}" destId="{3DA81BC4-75BC-42C3-A2A0-580D81FEA2E0}" srcOrd="1" destOrd="0" presId="urn:microsoft.com/office/officeart/2005/8/layout/hierarchy2"/>
-    <dgm:cxn modelId="{FAEFDCBF-4610-489F-9F53-C49868714BD1}" type="presOf" srcId="{181FBD91-68AB-4835-AF62-EC015CE61350}" destId="{B864B941-214B-43C6-9FDD-BA89E3CBDA31}" srcOrd="1" destOrd="0" presId="urn:microsoft.com/office/officeart/2005/8/layout/hierarchy2"/>
-    <dgm:cxn modelId="{EADCEE26-ACDC-48C5-8569-F2630DCC5ADD}" type="presOf" srcId="{DAEDCB7F-A52A-42E9-9C0B-3114E7DA4E56}" destId="{447F65B9-1F2A-4FBB-ACD1-ABFC2FCF7F43}" srcOrd="0" destOrd="0" presId="urn:microsoft.com/office/officeart/2005/8/layout/hierarchy2"/>
-    <dgm:cxn modelId="{EB8FFCB4-FAAF-4FAC-941A-8AB4B313857F}" type="presOf" srcId="{1C378682-3B14-4C41-8B7D-B4CDDC6D5C7B}" destId="{2771A3B0-FD1B-43E0-826E-9E67F9A5A78B}" srcOrd="1" destOrd="0" presId="urn:microsoft.com/office/officeart/2005/8/layout/hierarchy2"/>
-    <dgm:cxn modelId="{51A8D6DE-ED35-496F-8E86-62CB8E33A5CD}" type="presOf" srcId="{0367407A-B331-43A8-A835-52C1CC071464}" destId="{33AEF5F6-F501-4F99-815C-81CA3194CE5D}" srcOrd="1" destOrd="0" presId="urn:microsoft.com/office/officeart/2005/8/layout/hierarchy2"/>
-    <dgm:cxn modelId="{D753ABBB-DC91-4259-87AE-97752901AE68}" srcId="{B689D8DE-CF09-4329-8EBE-BF34D0405F5F}" destId="{C626744A-EE97-4D7D-9EE4-2B04E78ACB8B}" srcOrd="2" destOrd="0" parTransId="{C64AC093-9DEB-487F-AB77-62B26E09591F}" sibTransId="{A5B95C08-6F31-4AB8-8398-64F3D2FDAF14}"/>
-    <dgm:cxn modelId="{DA58D6A8-BCE9-4E46-8643-2A520AE48FA4}" srcId="{079FB288-78D8-4AE3-B7E2-74F80CAE5892}" destId="{14BA256F-ABA9-49B2-A12F-ED2CCE5D97B9}" srcOrd="0" destOrd="0" parTransId="{CB42C237-1260-4D57-8572-AF728A5C66EF}" sibTransId="{A99D1654-F0DC-4688-97D3-151E5095B5D3}"/>
-    <dgm:cxn modelId="{0B98E1E4-0422-4297-AAAC-1FC027DBA909}" srcId="{39FFD4AA-A124-4F27-B855-D59A00435B15}" destId="{A48E0A29-AACD-43F9-A7EA-032F8E2F94BB}" srcOrd="3" destOrd="0" parTransId="{F06F0734-EA2D-42A5-9037-B2FB6C9032A1}" sibTransId="{0066505A-86B3-4398-97B7-8C08BBCF514A}"/>
-    <dgm:cxn modelId="{86F8E089-8A10-4F6D-9EBB-73EDC36A57DF}" type="presOf" srcId="{1C378682-3B14-4C41-8B7D-B4CDDC6D5C7B}" destId="{D4B29442-F43F-44A1-9E2E-9C2FE1F6E2D4}" srcOrd="0" destOrd="0" presId="urn:microsoft.com/office/officeart/2005/8/layout/hierarchy2"/>
-    <dgm:cxn modelId="{182D7889-A65C-4BAB-8D51-5BB9E795717D}" srcId="{A48E0A29-AACD-43F9-A7EA-032F8E2F94BB}" destId="{38EA737A-98D0-4A06-92E9-4E2F197B4A27}" srcOrd="0" destOrd="0" parTransId="{1C378682-3B14-4C41-8B7D-B4CDDC6D5C7B}" sibTransId="{7337B31E-7AAC-4418-9711-69F92B532485}"/>
-    <dgm:cxn modelId="{8204C710-12B8-4BD5-8291-55D79E7104DE}" srcId="{B689D8DE-CF09-4329-8EBE-BF34D0405F5F}" destId="{39FFD4AA-A124-4F27-B855-D59A00435B15}" srcOrd="1" destOrd="0" parTransId="{406F47FE-6D42-47C7-9208-5941F9A7D7CB}" sibTransId="{858B088B-F8C7-4042-8705-0C1B614D9B63}"/>
-    <dgm:cxn modelId="{EDAE94EA-A96C-463F-BB6C-0AD214560885}" type="presOf" srcId="{3102626F-7CFB-4EDF-B9BC-3544295C845F}" destId="{25E9BE56-299E-4C35-AEFA-CD5617E93DF6}" srcOrd="0" destOrd="0" presId="urn:microsoft.com/office/officeart/2005/8/layout/hierarchy2"/>
-    <dgm:cxn modelId="{B5C30AA8-314B-429E-A470-DB0D9D6D4AC1}" type="presOf" srcId="{DAEDCB7F-A52A-42E9-9C0B-3114E7DA4E56}" destId="{5F10F69B-43CA-400A-B9D9-2F06FEA6306F}" srcOrd="1" destOrd="0" presId="urn:microsoft.com/office/officeart/2005/8/layout/hierarchy2"/>
-    <dgm:cxn modelId="{295EF73A-E407-4D67-82B7-E9A729D302FA}" type="presOf" srcId="{C626744A-EE97-4D7D-9EE4-2B04E78ACB8B}" destId="{60869B68-1ED3-46EB-BC75-6C54E3547ABD}" srcOrd="0" destOrd="0" presId="urn:microsoft.com/office/officeart/2005/8/layout/hierarchy2"/>
-    <dgm:cxn modelId="{5A669493-A24F-4DE1-991E-204EDEF810EF}" type="presOf" srcId="{3D6C26A9-3065-4280-8ED7-AB848B9E0B23}" destId="{DD602D3B-1876-4E99-AC87-AFF15016E71F}" srcOrd="0" destOrd="0" presId="urn:microsoft.com/office/officeart/2005/8/layout/hierarchy2"/>
-    <dgm:cxn modelId="{8A446667-C6E2-448C-8244-101740C42160}" srcId="{4D49AF40-7CEB-4DA8-AEA1-BC6F7D40A0D6}" destId="{49A3DDC4-425C-4C8C-B6BA-2B6701C6A12A}" srcOrd="0" destOrd="0" parTransId="{5AB33E62-4DC7-4EE4-ACEC-3BFE7590494A}" sibTransId="{DE10A5AD-DFE0-4086-B279-F96D09E511EC}"/>
-    <dgm:cxn modelId="{56896155-91E2-4F54-9A8A-A19FFFB313E8}" srcId="{44A9223B-89A7-4A98-B164-DFDDE69E3BA9}" destId="{B689D8DE-CF09-4329-8EBE-BF34D0405F5F}" srcOrd="0" destOrd="0" parTransId="{991F9394-D37E-4159-B76F-331764A259CE}" sibTransId="{3FF43506-2D16-40C6-A4C8-ED44DAE7BC5E}"/>
-    <dgm:cxn modelId="{9A006890-90F5-4A80-ACA7-12AFC97E7139}" type="presOf" srcId="{079FB288-78D8-4AE3-B7E2-74F80CAE5892}" destId="{FD452309-8A1F-414B-90A7-6D1366D9E53A}" srcOrd="0" destOrd="0" presId="urn:microsoft.com/office/officeart/2005/8/layout/hierarchy2"/>
-    <dgm:cxn modelId="{3DC599F5-1FCC-4206-93B9-4869391AE7ED}" type="presOf" srcId="{3DDEAF9B-F2F1-46F9-AD22-255C8010CC7C}" destId="{588AF801-A97E-42CB-9622-8A5A085CC75A}" srcOrd="1" destOrd="0" presId="urn:microsoft.com/office/officeart/2005/8/layout/hierarchy2"/>
-    <dgm:cxn modelId="{C8A1885E-AC9F-48A3-9D34-FAC8A5A87DEB}" type="presOf" srcId="{49A3DDC4-425C-4C8C-B6BA-2B6701C6A12A}" destId="{22F1F4FB-7A19-46EF-A547-E849282E849E}" srcOrd="0" destOrd="0" presId="urn:microsoft.com/office/officeart/2005/8/layout/hierarchy2"/>
-    <dgm:cxn modelId="{2FB27BBA-E56F-4140-9740-074D80907576}" type="presOf" srcId="{A48E0A29-AACD-43F9-A7EA-032F8E2F94BB}" destId="{D2C72BA1-3DDE-4AB7-917B-32F319C3DC3D}" srcOrd="0" destOrd="0" presId="urn:microsoft.com/office/officeart/2005/8/layout/hierarchy2"/>
-    <dgm:cxn modelId="{F920B45C-8901-4726-8031-3DD43F6873EE}" srcId="{B3EEDF9C-184B-4C70-905F-CA7AFA3EF5B9}" destId="{6459FBB0-DA41-463E-9179-CD4166007C1F}" srcOrd="0" destOrd="0" parTransId="{181FBD91-68AB-4835-AF62-EC015CE61350}" sibTransId="{2B44CE1F-ECA1-417B-8FAD-B4672EA7C4FF}"/>
-    <dgm:cxn modelId="{C2F2E783-4900-4154-A022-116FCE409F1F}" type="presOf" srcId="{F06F0734-EA2D-42A5-9037-B2FB6C9032A1}" destId="{82CF57A2-9BFF-4BDC-9FEC-9095EC86E437}" srcOrd="0" destOrd="0" presId="urn:microsoft.com/office/officeart/2005/8/layout/hierarchy2"/>
-    <dgm:cxn modelId="{23C7C813-C3E8-4484-8D15-D2ADCFDE187E}" type="presOf" srcId="{58931785-D1A7-4057-B221-AA6259087750}" destId="{7BF375AB-F70B-4829-89ED-58BA5B4C3501}" srcOrd="0" destOrd="0" presId="urn:microsoft.com/office/officeart/2005/8/layout/hierarchy2"/>
-    <dgm:cxn modelId="{121D5D41-FED9-4873-89BC-E9E262428E88}" srcId="{C626744A-EE97-4D7D-9EE4-2B04E78ACB8B}" destId="{CD85F115-329C-4746-B6CD-13E39E59A4C2}" srcOrd="0" destOrd="0" parTransId="{3DDEAF9B-F2F1-46F9-AD22-255C8010CC7C}" sibTransId="{EB8E70AA-333E-41FE-9CF0-EAC10D519AB5}"/>
-    <dgm:cxn modelId="{629D6202-462E-4F94-B8A7-39CB8AC70D98}" type="presOf" srcId="{F06F0734-EA2D-42A5-9037-B2FB6C9032A1}" destId="{29A444ED-9636-46B6-BE7A-885104B9822F}" srcOrd="1" destOrd="0" presId="urn:microsoft.com/office/officeart/2005/8/layout/hierarchy2"/>
-    <dgm:cxn modelId="{B217B614-2962-475A-8F5A-A0F04A579BE5}" type="presOf" srcId="{CD85F115-329C-4746-B6CD-13E39E59A4C2}" destId="{E7395C0D-6957-446C-9E91-1E365C003190}" srcOrd="0" destOrd="0" presId="urn:microsoft.com/office/officeart/2005/8/layout/hierarchy2"/>
-    <dgm:cxn modelId="{D4A89F91-B2C8-4B85-9EE9-E6446FE43725}" type="presOf" srcId="{181FBD91-68AB-4835-AF62-EC015CE61350}" destId="{CC2A4DA4-04AD-48CA-BB26-A639867E3BA2}" srcOrd="0" destOrd="0" presId="urn:microsoft.com/office/officeart/2005/8/layout/hierarchy2"/>
-    <dgm:cxn modelId="{A72E61C0-12F3-42D8-9FE7-2F82B2CC21A2}" srcId="{545403BC-40C6-43B0-BA68-1E1FCD40083D}" destId="{139C7D14-DA09-4850-8072-C0DB9081523C}" srcOrd="0" destOrd="0" parTransId="{3102626F-7CFB-4EDF-B9BC-3544295C845F}" sibTransId="{1748AEF1-307C-45B0-8488-3206FFD287AD}"/>
     <dgm:cxn modelId="{B830AD7F-CBCD-4BA3-8462-E44BBA5EFA64}" type="presOf" srcId="{CB42C237-1260-4D57-8572-AF728A5C66EF}" destId="{58376671-7255-4483-9840-83B030C00160}" srcOrd="0" destOrd="0" presId="urn:microsoft.com/office/officeart/2005/8/layout/hierarchy2"/>
-    <dgm:cxn modelId="{CF3239E4-227C-4129-8554-D46E5A5D4A98}" type="presOf" srcId="{44A9223B-89A7-4A98-B164-DFDDE69E3BA9}" destId="{C5B08121-E880-48EB-8A17-5153378F6BCE}" srcOrd="0" destOrd="0" presId="urn:microsoft.com/office/officeart/2005/8/layout/hierarchy2"/>
+    <dgm:cxn modelId="{D39F7632-A6D4-41C0-BF56-F34E0B40F6FE}" type="presOf" srcId="{5AB33E62-4DC7-4EE4-ACEC-3BFE7590494A}" destId="{FC72337D-7B3E-46A6-81E9-4D4876D10BDB}" srcOrd="0" destOrd="0" presId="urn:microsoft.com/office/officeart/2005/8/layout/hierarchy2"/>
     <dgm:cxn modelId="{8FBA8B6C-6197-47D0-B4E3-9691AC0C6A9F}" type="presOf" srcId="{B3EEDF9C-184B-4C70-905F-CA7AFA3EF5B9}" destId="{575D1F8C-5B1D-41CE-99DB-693659514D2B}" srcOrd="0" destOrd="0" presId="urn:microsoft.com/office/officeart/2005/8/layout/hierarchy2"/>
     <dgm:cxn modelId="{0D21F909-57F2-4DC1-9A50-7FCA715BBD42}" srcId="{39FFD4AA-A124-4F27-B855-D59A00435B15}" destId="{545403BC-40C6-43B0-BA68-1E1FCD40083D}" srcOrd="0" destOrd="0" parTransId="{DAEDCB7F-A52A-42E9-9C0B-3114E7DA4E56}" sibTransId="{B79EABB7-1672-44BC-9D1B-D7DA1533F1C0}"/>
+    <dgm:cxn modelId="{C2F2E783-4900-4154-A022-116FCE409F1F}" type="presOf" srcId="{F06F0734-EA2D-42A5-9037-B2FB6C9032A1}" destId="{82CF57A2-9BFF-4BDC-9FEC-9095EC86E437}" srcOrd="0" destOrd="0" presId="urn:microsoft.com/office/officeart/2005/8/layout/hierarchy2"/>
+    <dgm:cxn modelId="{DA58D6A8-BCE9-4E46-8643-2A520AE48FA4}" srcId="{079FB288-78D8-4AE3-B7E2-74F80CAE5892}" destId="{14BA256F-ABA9-49B2-A12F-ED2CCE5D97B9}" srcOrd="0" destOrd="0" parTransId="{CB42C237-1260-4D57-8572-AF728A5C66EF}" sibTransId="{A99D1654-F0DC-4688-97D3-151E5095B5D3}"/>
     <dgm:cxn modelId="{35910851-1045-4BD9-94B4-52CEDADFDFD4}" type="presOf" srcId="{406F47FE-6D42-47C7-9208-5941F9A7D7CB}" destId="{E7A2173C-108E-4780-B19F-52A5A93CE599}" srcOrd="1" destOrd="0" presId="urn:microsoft.com/office/officeart/2005/8/layout/hierarchy2"/>
+    <dgm:cxn modelId="{0BE768B1-C33B-4B9D-A6D7-AB46719CAA0A}" srcId="{39FFD4AA-A124-4F27-B855-D59A00435B15}" destId="{4D49AF40-7CEB-4DA8-AEA1-BC6F7D40A0D6}" srcOrd="1" destOrd="0" parTransId="{58931785-D1A7-4057-B221-AA6259087750}" sibTransId="{6A036B06-2898-447E-908A-2700E9D8EFE8}"/>
+    <dgm:cxn modelId="{8A446667-C6E2-448C-8244-101740C42160}" srcId="{4D49AF40-7CEB-4DA8-AEA1-BC6F7D40A0D6}" destId="{49A3DDC4-425C-4C8C-B6BA-2B6701C6A12A}" srcOrd="0" destOrd="0" parTransId="{5AB33E62-4DC7-4EE4-ACEC-3BFE7590494A}" sibTransId="{DE10A5AD-DFE0-4086-B279-F96D09E511EC}"/>
+    <dgm:cxn modelId="{B5C30AA8-314B-429E-A470-DB0D9D6D4AC1}" type="presOf" srcId="{DAEDCB7F-A52A-42E9-9C0B-3114E7DA4E56}" destId="{5F10F69B-43CA-400A-B9D9-2F06FEA6306F}" srcOrd="1" destOrd="0" presId="urn:microsoft.com/office/officeart/2005/8/layout/hierarchy2"/>
+    <dgm:cxn modelId="{86F8E089-8A10-4F6D-9EBB-73EDC36A57DF}" type="presOf" srcId="{1C378682-3B14-4C41-8B7D-B4CDDC6D5C7B}" destId="{D4B29442-F43F-44A1-9E2E-9C2FE1F6E2D4}" srcOrd="0" destOrd="0" presId="urn:microsoft.com/office/officeart/2005/8/layout/hierarchy2"/>
+    <dgm:cxn modelId="{2FB27BBA-E56F-4140-9740-074D80907576}" type="presOf" srcId="{A48E0A29-AACD-43F9-A7EA-032F8E2F94BB}" destId="{D2C72BA1-3DDE-4AB7-917B-32F319C3DC3D}" srcOrd="0" destOrd="0" presId="urn:microsoft.com/office/officeart/2005/8/layout/hierarchy2"/>
+    <dgm:cxn modelId="{EB8FFCB4-FAAF-4FAC-941A-8AB4B313857F}" type="presOf" srcId="{1C378682-3B14-4C41-8B7D-B4CDDC6D5C7B}" destId="{2771A3B0-FD1B-43E0-826E-9E67F9A5A78B}" srcOrd="1" destOrd="0" presId="urn:microsoft.com/office/officeart/2005/8/layout/hierarchy2"/>
+    <dgm:cxn modelId="{D4A89F91-B2C8-4B85-9EE9-E6446FE43725}" type="presOf" srcId="{181FBD91-68AB-4835-AF62-EC015CE61350}" destId="{CC2A4DA4-04AD-48CA-BB26-A639867E3BA2}" srcOrd="0" destOrd="0" presId="urn:microsoft.com/office/officeart/2005/8/layout/hierarchy2"/>
+    <dgm:cxn modelId="{0AD6B6EF-5812-484E-B1A7-FA8FBBB6AA0B}" type="presOf" srcId="{0367407A-B331-43A8-A835-52C1CC071464}" destId="{D5DA7A14-F1CF-444D-B648-7C1C7973D432}" srcOrd="0" destOrd="0" presId="urn:microsoft.com/office/officeart/2005/8/layout/hierarchy2"/>
+    <dgm:cxn modelId="{D753ABBB-DC91-4259-87AE-97752901AE68}" srcId="{B689D8DE-CF09-4329-8EBE-BF34D0405F5F}" destId="{C626744A-EE97-4D7D-9EE4-2B04E78ACB8B}" srcOrd="2" destOrd="0" parTransId="{C64AC093-9DEB-487F-AB77-62B26E09591F}" sibTransId="{A5B95C08-6F31-4AB8-8398-64F3D2FDAF14}"/>
     <dgm:cxn modelId="{0C4050ED-D9B1-4E05-B096-86A8A87C8635}" type="presOf" srcId="{139C7D14-DA09-4850-8072-C0DB9081523C}" destId="{491CCBE5-49DF-4375-B178-811F45C23044}" srcOrd="0" destOrd="0" presId="urn:microsoft.com/office/officeart/2005/8/layout/hierarchy2"/>
+    <dgm:cxn modelId="{95571469-6577-4319-903D-B4B776A78211}" type="presOf" srcId="{3D6C26A9-3065-4280-8ED7-AB848B9E0B23}" destId="{9DB3BA37-0700-4C02-A5B9-95D3D409F065}" srcOrd="1" destOrd="0" presId="urn:microsoft.com/office/officeart/2005/8/layout/hierarchy2"/>
+    <dgm:cxn modelId="{CA0501B8-A2B4-4C6D-A7CA-5C5F9D41D8CC}" type="presOf" srcId="{39FFD4AA-A124-4F27-B855-D59A00435B15}" destId="{FF503304-CCE6-4A1C-990C-5578FA7DBE2F}" srcOrd="0" destOrd="0" presId="urn:microsoft.com/office/officeart/2005/8/layout/hierarchy2"/>
+    <dgm:cxn modelId="{78ED5BE6-27CB-4965-BB5D-74F25C8865F3}" type="presOf" srcId="{3DDEAF9B-F2F1-46F9-AD22-255C8010CC7C}" destId="{E56F25DF-E7F6-42A2-9C4A-9E0CD9C0ADAE}" srcOrd="0" destOrd="0" presId="urn:microsoft.com/office/officeart/2005/8/layout/hierarchy2"/>
+    <dgm:cxn modelId="{89D1339E-79BE-4A1B-8228-FC0322CFDF7E}" type="presOf" srcId="{6459FBB0-DA41-463E-9179-CD4166007C1F}" destId="{14483275-D448-415B-8470-2358E1DC79D7}" srcOrd="0" destOrd="0" presId="urn:microsoft.com/office/officeart/2005/8/layout/hierarchy2"/>
+    <dgm:cxn modelId="{8204C710-12B8-4BD5-8291-55D79E7104DE}" srcId="{B689D8DE-CF09-4329-8EBE-BF34D0405F5F}" destId="{39FFD4AA-A124-4F27-B855-D59A00435B15}" srcOrd="1" destOrd="0" parTransId="{406F47FE-6D42-47C7-9208-5941F9A7D7CB}" sibTransId="{858B088B-F8C7-4042-8705-0C1B614D9B63}"/>
+    <dgm:cxn modelId="{A2360700-BAD4-451A-9D69-E697D283DD02}" type="presOf" srcId="{CB42C237-1260-4D57-8572-AF728A5C66EF}" destId="{696BF2F7-BB6E-454F-BCD5-8E394FF656F1}" srcOrd="1" destOrd="0" presId="urn:microsoft.com/office/officeart/2005/8/layout/hierarchy2"/>
+    <dgm:cxn modelId="{EADCEE26-ACDC-48C5-8569-F2630DCC5ADD}" type="presOf" srcId="{DAEDCB7F-A52A-42E9-9C0B-3114E7DA4E56}" destId="{447F65B9-1F2A-4FBB-ACD1-ABFC2FCF7F43}" srcOrd="0" destOrd="0" presId="urn:microsoft.com/office/officeart/2005/8/layout/hierarchy2"/>
+    <dgm:cxn modelId="{90ABBD7F-535A-451B-80E4-28E0A02D6D6A}" type="presOf" srcId="{4D49AF40-7CEB-4DA8-AEA1-BC6F7D40A0D6}" destId="{617451F6-02F5-4B5F-9C82-217A464ED8C7}" srcOrd="0" destOrd="0" presId="urn:microsoft.com/office/officeart/2005/8/layout/hierarchy2"/>
+    <dgm:cxn modelId="{629D6202-462E-4F94-B8A7-39CB8AC70D98}" type="presOf" srcId="{F06F0734-EA2D-42A5-9037-B2FB6C9032A1}" destId="{29A444ED-9636-46B6-BE7A-885104B9822F}" srcOrd="1" destOrd="0" presId="urn:microsoft.com/office/officeart/2005/8/layout/hierarchy2"/>
+    <dgm:cxn modelId="{FAEFDCBF-4610-489F-9F53-C49868714BD1}" type="presOf" srcId="{181FBD91-68AB-4835-AF62-EC015CE61350}" destId="{B864B941-214B-43C6-9FDD-BA89E3CBDA31}" srcOrd="1" destOrd="0" presId="urn:microsoft.com/office/officeart/2005/8/layout/hierarchy2"/>
+    <dgm:cxn modelId="{6CCA184D-C094-4ABC-A57D-0A327D6018EE}" type="presOf" srcId="{C64AC093-9DEB-487F-AB77-62B26E09591F}" destId="{5033B1DF-BE2C-413E-A6CD-E2F5A0863159}" srcOrd="1" destOrd="0" presId="urn:microsoft.com/office/officeart/2005/8/layout/hierarchy2"/>
+    <dgm:cxn modelId="{EDAE94EA-A96C-463F-BB6C-0AD214560885}" type="presOf" srcId="{3102626F-7CFB-4EDF-B9BC-3544295C845F}" destId="{25E9BE56-299E-4C35-AEFA-CD5617E93DF6}" srcOrd="0" destOrd="0" presId="urn:microsoft.com/office/officeart/2005/8/layout/hierarchy2"/>
+    <dgm:cxn modelId="{0B98E1E4-0422-4297-AAAC-1FC027DBA909}" srcId="{39FFD4AA-A124-4F27-B855-D59A00435B15}" destId="{A48E0A29-AACD-43F9-A7EA-032F8E2F94BB}" srcOrd="3" destOrd="0" parTransId="{F06F0734-EA2D-42A5-9037-B2FB6C9032A1}" sibTransId="{0066505A-86B3-4398-97B7-8C08BBCF514A}"/>
+    <dgm:cxn modelId="{9A006890-90F5-4A80-ACA7-12AFC97E7139}" type="presOf" srcId="{079FB288-78D8-4AE3-B7E2-74F80CAE5892}" destId="{FD452309-8A1F-414B-90A7-6D1366D9E53A}" srcOrd="0" destOrd="0" presId="urn:microsoft.com/office/officeart/2005/8/layout/hierarchy2"/>
     <dgm:cxn modelId="{244E5FF2-6B51-4C3F-8877-187108B2B665}" type="presOf" srcId="{545403BC-40C6-43B0-BA68-1E1FCD40083D}" destId="{8557AE4D-D2B7-4A53-AA87-E3C6C8022E4D}" srcOrd="0" destOrd="0" presId="urn:microsoft.com/office/officeart/2005/8/layout/hierarchy2"/>
-    <dgm:cxn modelId="{15752F31-4807-4FC1-8DCB-9A8418E75074}" type="presOf" srcId="{B689D8DE-CF09-4329-8EBE-BF34D0405F5F}" destId="{6DB80201-E08E-40B4-A369-BC7B776E9EF6}" srcOrd="0" destOrd="0" presId="urn:microsoft.com/office/officeart/2005/8/layout/hierarchy2"/>
+    <dgm:cxn modelId="{F920B45C-8901-4726-8031-3DD43F6873EE}" srcId="{B3EEDF9C-184B-4C70-905F-CA7AFA3EF5B9}" destId="{6459FBB0-DA41-463E-9179-CD4166007C1F}" srcOrd="0" destOrd="0" parTransId="{181FBD91-68AB-4835-AF62-EC015CE61350}" sibTransId="{2B44CE1F-ECA1-417B-8FAD-B4672EA7C4FF}"/>
     <dgm:cxn modelId="{84AEFEC0-415E-410B-88F0-2D1B4B34130D}" srcId="{B689D8DE-CF09-4329-8EBE-BF34D0405F5F}" destId="{079FB288-78D8-4AE3-B7E2-74F80CAE5892}" srcOrd="0" destOrd="0" parTransId="{3D6C26A9-3065-4280-8ED7-AB848B9E0B23}" sibTransId="{D8EE8C6B-1CA1-446C-8FFA-70493AAC9F40}"/>
-    <dgm:cxn modelId="{90ABBD7F-535A-451B-80E4-28E0A02D6D6A}" type="presOf" srcId="{4D49AF40-7CEB-4DA8-AEA1-BC6F7D40A0D6}" destId="{617451F6-02F5-4B5F-9C82-217A464ED8C7}" srcOrd="0" destOrd="0" presId="urn:microsoft.com/office/officeart/2005/8/layout/hierarchy2"/>
-    <dgm:cxn modelId="{89D1339E-79BE-4A1B-8228-FC0322CFDF7E}" type="presOf" srcId="{6459FBB0-DA41-463E-9179-CD4166007C1F}" destId="{14483275-D448-415B-8470-2358E1DC79D7}" srcOrd="0" destOrd="0" presId="urn:microsoft.com/office/officeart/2005/8/layout/hierarchy2"/>
-    <dgm:cxn modelId="{78ED5BE6-27CB-4965-BB5D-74F25C8865F3}" type="presOf" srcId="{3DDEAF9B-F2F1-46F9-AD22-255C8010CC7C}" destId="{E56F25DF-E7F6-42A2-9C4A-9E0CD9C0ADAE}" srcOrd="0" destOrd="0" presId="urn:microsoft.com/office/officeart/2005/8/layout/hierarchy2"/>
-    <dgm:cxn modelId="{0BE768B1-C33B-4B9D-A6D7-AB46719CAA0A}" srcId="{39FFD4AA-A124-4F27-B855-D59A00435B15}" destId="{4D49AF40-7CEB-4DA8-AEA1-BC6F7D40A0D6}" srcOrd="1" destOrd="0" parTransId="{58931785-D1A7-4057-B221-AA6259087750}" sibTransId="{6A036B06-2898-447E-908A-2700E9D8EFE8}"/>
     <dgm:cxn modelId="{CDB15822-03E7-444A-AFDA-2AEB478E93E0}" type="presOf" srcId="{58931785-D1A7-4057-B221-AA6259087750}" destId="{BFA54812-EE2D-4A6A-8445-5AD1A12E0CAC}" srcOrd="1" destOrd="0" presId="urn:microsoft.com/office/officeart/2005/8/layout/hierarchy2"/>
-    <dgm:cxn modelId="{A2360700-BAD4-451A-9D69-E697D283DD02}" type="presOf" srcId="{CB42C237-1260-4D57-8572-AF728A5C66EF}" destId="{696BF2F7-BB6E-454F-BCD5-8E394FF656F1}" srcOrd="1" destOrd="0" presId="urn:microsoft.com/office/officeart/2005/8/layout/hierarchy2"/>
-    <dgm:cxn modelId="{0AD6B6EF-5812-484E-B1A7-FA8FBBB6AA0B}" type="presOf" srcId="{0367407A-B331-43A8-A835-52C1CC071464}" destId="{D5DA7A14-F1CF-444D-B648-7C1C7973D432}" srcOrd="0" destOrd="0" presId="urn:microsoft.com/office/officeart/2005/8/layout/hierarchy2"/>
-    <dgm:cxn modelId="{CA0501B8-A2B4-4C6D-A7CA-5C5F9D41D8CC}" type="presOf" srcId="{39FFD4AA-A124-4F27-B855-D59A00435B15}" destId="{FF503304-CCE6-4A1C-990C-5578FA7DBE2F}" srcOrd="0" destOrd="0" presId="urn:microsoft.com/office/officeart/2005/8/layout/hierarchy2"/>
-    <dgm:cxn modelId="{7573B1F3-B2DF-4988-917C-29A6E7F52F5E}" type="presOf" srcId="{38EA737A-98D0-4A06-92E9-4E2F197B4A27}" destId="{60B7AE8D-6EEE-44D0-8C21-787636E412BD}" srcOrd="0" destOrd="0" presId="urn:microsoft.com/office/officeart/2005/8/layout/hierarchy2"/>
-    <dgm:cxn modelId="{D39F7632-A6D4-41C0-BF56-F34E0B40F6FE}" type="presOf" srcId="{5AB33E62-4DC7-4EE4-ACEC-3BFE7590494A}" destId="{FC72337D-7B3E-46A6-81E9-4D4876D10BDB}" srcOrd="0" destOrd="0" presId="urn:microsoft.com/office/officeart/2005/8/layout/hierarchy2"/>
-    <dgm:cxn modelId="{0C06D765-30D5-4F0E-98DB-B19376CAC0FA}" type="presOf" srcId="{C64AC093-9DEB-487F-AB77-62B26E09591F}" destId="{2E900CF8-9339-44A3-8BB3-49EE157DFD36}" srcOrd="0" destOrd="0" presId="urn:microsoft.com/office/officeart/2005/8/layout/hierarchy2"/>
+    <dgm:cxn modelId="{51A8D6DE-ED35-496F-8E86-62CB8E33A5CD}" type="presOf" srcId="{0367407A-B331-43A8-A835-52C1CC071464}" destId="{33AEF5F6-F501-4F99-815C-81CA3194CE5D}" srcOrd="1" destOrd="0" presId="urn:microsoft.com/office/officeart/2005/8/layout/hierarchy2"/>
+    <dgm:cxn modelId="{3DC599F5-1FCC-4206-93B9-4869391AE7ED}" type="presOf" srcId="{3DDEAF9B-F2F1-46F9-AD22-255C8010CC7C}" destId="{588AF801-A97E-42CB-9622-8A5A085CC75A}" srcOrd="1" destOrd="0" presId="urn:microsoft.com/office/officeart/2005/8/layout/hierarchy2"/>
+    <dgm:cxn modelId="{121D5D41-FED9-4873-89BC-E9E262428E88}" srcId="{C626744A-EE97-4D7D-9EE4-2B04E78ACB8B}" destId="{CD85F115-329C-4746-B6CD-13E39E59A4C2}" srcOrd="0" destOrd="0" parTransId="{3DDEAF9B-F2F1-46F9-AD22-255C8010CC7C}" sibTransId="{EB8E70AA-333E-41FE-9CF0-EAC10D519AB5}"/>
+    <dgm:cxn modelId="{56896155-91E2-4F54-9A8A-A19FFFB313E8}" srcId="{44A9223B-89A7-4A98-B164-DFDDE69E3BA9}" destId="{B689D8DE-CF09-4329-8EBE-BF34D0405F5F}" srcOrd="0" destOrd="0" parTransId="{991F9394-D37E-4159-B76F-331764A259CE}" sibTransId="{3FF43506-2D16-40C6-A4C8-ED44DAE7BC5E}"/>
+    <dgm:cxn modelId="{B217B614-2962-475A-8F5A-A0F04A579BE5}" type="presOf" srcId="{CD85F115-329C-4746-B6CD-13E39E59A4C2}" destId="{E7395C0D-6957-446C-9E91-1E365C003190}" srcOrd="0" destOrd="0" presId="urn:microsoft.com/office/officeart/2005/8/layout/hierarchy2"/>
+    <dgm:cxn modelId="{08A5BC99-49D8-4B5B-AFD1-7E2B6BE57A21}" srcId="{39FFD4AA-A124-4F27-B855-D59A00435B15}" destId="{B3EEDF9C-184B-4C70-905F-CA7AFA3EF5B9}" srcOrd="2" destOrd="0" parTransId="{0367407A-B331-43A8-A835-52C1CC071464}" sibTransId="{F3B8693A-B9C7-458A-920F-76A59FF35554}"/>
     <dgm:cxn modelId="{FE961932-C8D9-4BA7-A7E0-0B0F788ADC14}" type="presOf" srcId="{406F47FE-6D42-47C7-9208-5941F9A7D7CB}" destId="{28A91AF3-F4DA-46D9-A6C2-E9981AE15014}" srcOrd="0" destOrd="0" presId="urn:microsoft.com/office/officeart/2005/8/layout/hierarchy2"/>
-    <dgm:cxn modelId="{95571469-6577-4319-903D-B4B776A78211}" type="presOf" srcId="{3D6C26A9-3065-4280-8ED7-AB848B9E0B23}" destId="{9DB3BA37-0700-4C02-A5B9-95D3D409F065}" srcOrd="1" destOrd="0" presId="urn:microsoft.com/office/officeart/2005/8/layout/hierarchy2"/>
+    <dgm:cxn modelId="{295EF73A-E407-4D67-82B7-E9A729D302FA}" type="presOf" srcId="{C626744A-EE97-4D7D-9EE4-2B04E78ACB8B}" destId="{60869B68-1ED3-46EB-BC75-6C54E3547ABD}" srcOrd="0" destOrd="0" presId="urn:microsoft.com/office/officeart/2005/8/layout/hierarchy2"/>
+    <dgm:cxn modelId="{B5AC2237-410E-4B6E-AD5A-A9F5D576CCF5}" type="presOf" srcId="{3102626F-7CFB-4EDF-B9BC-3544295C845F}" destId="{02C0F7DE-7DEB-4728-94A8-675F08C61B61}" srcOrd="1" destOrd="0" presId="urn:microsoft.com/office/officeart/2005/8/layout/hierarchy2"/>
     <dgm:cxn modelId="{F9C5E68F-312E-4AD3-BE21-A155BAD51F03}" type="presParOf" srcId="{C5B08121-E880-48EB-8A17-5153378F6BCE}" destId="{068DAF1A-AA29-42AE-A527-16E78A18FB51}" srcOrd="0" destOrd="0" presId="urn:microsoft.com/office/officeart/2005/8/layout/hierarchy2"/>
     <dgm:cxn modelId="{85E8BE61-BAF0-45FD-9BBB-314644BC36CC}" type="presParOf" srcId="{068DAF1A-AA29-42AE-A527-16E78A18FB51}" destId="{6DB80201-E08E-40B4-A369-BC7B776E9EF6}" srcOrd="0" destOrd="0" presId="urn:microsoft.com/office/officeart/2005/8/layout/hierarchy2"/>
     <dgm:cxn modelId="{45632B81-9574-4ACB-8DD5-02A360FE17E7}" type="presParOf" srcId="{068DAF1A-AA29-42AE-A527-16E78A18FB51}" destId="{2A065C2A-11A3-46CC-90C5-815AA2B1A167}" srcOrd="1" destOrd="0" presId="urn:microsoft.com/office/officeart/2005/8/layout/hierarchy2"/>
@@ -9027,7 +9027,7 @@
             <a:fld id="{C9CD41DD-2995-4DF1-86B6-6F421C18E4C3}" type="datetimeFigureOut">
               <a:rPr lang="en-US" smtClean="0"/>
               <a:pPr/>
-              <a:t>5/10/2024</a:t>
+              <a:t>5/14/2024</a:t>
             </a:fld>
             <a:endParaRPr lang="en-IN"/>
           </a:p>
@@ -10011,7 +10011,7 @@
             <a:fld id="{C77E4C06-FCC2-4C21-BF50-8A2E8941F588}" type="datetimeFigureOut">
               <a:rPr lang="en-US" smtClean="0"/>
               <a:pPr/>
-              <a:t>5/10/2024</a:t>
+              <a:t>5/14/2024</a:t>
             </a:fld>
             <a:endParaRPr lang="en-US"/>
           </a:p>
@@ -10235,7 +10235,7 @@
             <a:fld id="{C77E4C06-FCC2-4C21-BF50-8A2E8941F588}" type="datetimeFigureOut">
               <a:rPr lang="en-US" smtClean="0"/>
               <a:pPr/>
-              <a:t>5/10/2024</a:t>
+              <a:t>5/14/2024</a:t>
             </a:fld>
             <a:endParaRPr lang="en-US"/>
           </a:p>
@@ -10422,7 +10422,7 @@
             <a:fld id="{C77E4C06-FCC2-4C21-BF50-8A2E8941F588}" type="datetimeFigureOut">
               <a:rPr lang="en-US" smtClean="0"/>
               <a:pPr/>
-              <a:t>5/10/2024</a:t>
+              <a:t>5/14/2024</a:t>
             </a:fld>
             <a:endParaRPr lang="en-US"/>
           </a:p>
@@ -10574,7 +10574,7 @@
             <a:fld id="{C77E4C06-FCC2-4C21-BF50-8A2E8941F588}" type="datetimeFigureOut">
               <a:rPr lang="en-US" smtClean="0"/>
               <a:pPr/>
-              <a:t>5/10/2024</a:t>
+              <a:t>5/14/2024</a:t>
             </a:fld>
             <a:endParaRPr lang="en-US"/>
           </a:p>
@@ -10831,7 +10831,7 @@
             <a:fld id="{C77E4C06-FCC2-4C21-BF50-8A2E8941F588}" type="datetimeFigureOut">
               <a:rPr lang="en-US" smtClean="0"/>
               <a:pPr/>
-              <a:t>5/10/2024</a:t>
+              <a:t>5/14/2024</a:t>
             </a:fld>
             <a:endParaRPr lang="en-US"/>
           </a:p>
@@ -11242,7 +11242,7 @@
             <a:fld id="{C77E4C06-FCC2-4C21-BF50-8A2E8941F588}" type="datetimeFigureOut">
               <a:rPr lang="en-US" smtClean="0"/>
               <a:pPr/>
-              <a:t>5/10/2024</a:t>
+              <a:t>5/14/2024</a:t>
             </a:fld>
             <a:endParaRPr lang="en-US"/>
           </a:p>
@@ -11690,7 +11690,7 @@
             <a:fld id="{C77E4C06-FCC2-4C21-BF50-8A2E8941F588}" type="datetimeFigureOut">
               <a:rPr lang="en-US" smtClean="0"/>
               <a:pPr/>
-              <a:t>5/10/2024</a:t>
+              <a:t>5/14/2024</a:t>
             </a:fld>
             <a:endParaRPr lang="en-US"/>
           </a:p>
@@ -11819,7 +11819,7 @@
             <a:fld id="{C77E4C06-FCC2-4C21-BF50-8A2E8941F588}" type="datetimeFigureOut">
               <a:rPr lang="en-US" smtClean="0"/>
               <a:pPr/>
-              <a:t>5/10/2024</a:t>
+              <a:t>5/14/2024</a:t>
             </a:fld>
             <a:endParaRPr lang="en-US"/>
           </a:p>
@@ -11942,7 +11942,7 @@
             <a:fld id="{C77E4C06-FCC2-4C21-BF50-8A2E8941F588}" type="datetimeFigureOut">
               <a:rPr lang="en-US" smtClean="0"/>
               <a:pPr/>
-              <a:t>5/10/2024</a:t>
+              <a:t>5/14/2024</a:t>
             </a:fld>
             <a:endParaRPr lang="en-US"/>
           </a:p>
@@ -12218,7 +12218,7 @@
             <a:fld id="{C77E4C06-FCC2-4C21-BF50-8A2E8941F588}" type="datetimeFigureOut">
               <a:rPr lang="en-US" smtClean="0"/>
               <a:pPr/>
-              <a:t>5/10/2024</a:t>
+              <a:t>5/14/2024</a:t>
             </a:fld>
             <a:endParaRPr lang="en-US"/>
           </a:p>
@@ -12451,7 +12451,7 @@
             <a:fld id="{C77E4C06-FCC2-4C21-BF50-8A2E8941F588}" type="datetimeFigureOut">
               <a:rPr lang="en-US" smtClean="0"/>
               <a:pPr/>
-              <a:t>5/10/2024</a:t>
+              <a:t>5/14/2024</a:t>
             </a:fld>
             <a:endParaRPr lang="en-US"/>
           </a:p>
@@ -13588,7 +13588,7 @@
             <a:fld id="{C77E4C06-FCC2-4C21-BF50-8A2E8941F588}" type="datetimeFigureOut">
               <a:rPr lang="en-US" smtClean="0"/>
               <a:pPr/>
-              <a:t>5/10/2024</a:t>
+              <a:t>5/14/2024</a:t>
             </a:fld>
             <a:endParaRPr lang="en-US"/>
           </a:p>
@@ -18212,8 +18212,13 @@
             <a:pPr lvl="1"/>
             <a:r>
               <a:rPr lang="en-US" dirty="0" smtClean="0"/>
-              <a:t>Function definition</a:t>
-            </a:r>
+              <a:t>Function </a:t>
+            </a:r>
+            <a:r>
+              <a:rPr lang="en-US" dirty="0" smtClean="0"/>
+              <a:t>definition / Block of Statements</a:t>
+            </a:r>
+            <a:endParaRPr lang="en-US" dirty="0" smtClean="0"/>
           </a:p>
           <a:p>
             <a:pPr lvl="1"/>
@@ -18297,58 +18302,177 @@
           <a:lstStyle/>
           <a:p>
             <a:r>
+              <a:rPr lang="en-US" dirty="0" err="1" smtClean="0">
+                <a:solidFill>
+                  <a:schemeClr val="bg2">
+                    <a:lumMod val="25000"/>
+                  </a:schemeClr>
+                </a:solidFill>
+              </a:rPr>
+              <a:t>calAdd</a:t>
+            </a:r>
+            <a:r>
               <a:rPr lang="en-US" dirty="0" smtClean="0">
                 <a:solidFill>
-                  <a:srgbClr val="FFC000"/>
+                  <a:schemeClr val="bg2">
+                    <a:lumMod val="25000"/>
+                  </a:schemeClr>
                 </a:solidFill>
               </a:rPr>
-              <a:t>calAdd(int, int)</a:t>
-            </a:r>
-          </a:p>
-          <a:p>
+              <a:t>(</a:t>
+            </a:r>
+            <a:r>
+              <a:rPr lang="en-US" dirty="0" err="1" smtClean="0">
+                <a:solidFill>
+                  <a:schemeClr val="bg2">
+                    <a:lumMod val="25000"/>
+                  </a:schemeClr>
+                </a:solidFill>
+              </a:rPr>
+              <a:t>int</a:t>
+            </a:r>
+            <a:r>
+              <a:rPr lang="en-US" dirty="0" smtClean="0">
+                <a:solidFill>
+                  <a:schemeClr val="bg2">
+                    <a:lumMod val="25000"/>
+                  </a:schemeClr>
+                </a:solidFill>
+              </a:rPr>
+              <a:t>, int)</a:t>
+            </a:r>
+          </a:p>
+          <a:p>
+            <a:r>
+              <a:rPr lang="en-US" dirty="0" err="1" smtClean="0">
+                <a:solidFill>
+                  <a:schemeClr val="accent2">
+                    <a:lumMod val="75000"/>
+                  </a:schemeClr>
+                </a:solidFill>
+              </a:rPr>
+              <a:t>calAdd</a:t>
+            </a:r>
             <a:r>
               <a:rPr lang="en-US" dirty="0" smtClean="0">
                 <a:solidFill>
                   <a:schemeClr val="accent2">
-                    <a:lumMod val="60000"/>
-                    <a:lumOff val="40000"/>
+                    <a:lumMod val="75000"/>
                   </a:schemeClr>
                 </a:solidFill>
               </a:rPr>
-              <a:t>calAdd(int, int, int)</a:t>
-            </a:r>
-          </a:p>
-          <a:p>
+              <a:t>(</a:t>
+            </a:r>
+            <a:r>
+              <a:rPr lang="en-US" dirty="0" err="1" smtClean="0">
+                <a:solidFill>
+                  <a:schemeClr val="accent2">
+                    <a:lumMod val="75000"/>
+                  </a:schemeClr>
+                </a:solidFill>
+              </a:rPr>
+              <a:t>int</a:t>
+            </a:r>
             <a:r>
               <a:rPr lang="en-US" dirty="0" smtClean="0">
                 <a:solidFill>
-                  <a:srgbClr val="00B050"/>
+                  <a:schemeClr val="accent2">
+                    <a:lumMod val="75000"/>
+                  </a:schemeClr>
                 </a:solidFill>
               </a:rPr>
-              <a:t>calAdd(double, double)</a:t>
-            </a:r>
-          </a:p>
-          <a:p>
+              <a:t>, int, int)</a:t>
+            </a:r>
+          </a:p>
+          <a:p>
+            <a:r>
+              <a:rPr lang="en-US" dirty="0" err="1" smtClean="0">
+                <a:solidFill>
+                  <a:schemeClr val="accent4">
+                    <a:lumMod val="75000"/>
+                  </a:schemeClr>
+                </a:solidFill>
+              </a:rPr>
+              <a:t>calAdd</a:t>
+            </a:r>
             <a:r>
               <a:rPr lang="en-US" dirty="0" smtClean="0">
                 <a:solidFill>
-                  <a:srgbClr val="002060"/>
+                  <a:schemeClr val="accent4">
+                    <a:lumMod val="75000"/>
+                  </a:schemeClr>
                 </a:solidFill>
               </a:rPr>
-              <a:t>calAdd(double, int)</a:t>
-            </a:r>
-          </a:p>
-          <a:p>
-            <a:r>
-              <a:rPr lang="en-US" dirty="0" smtClean="0"/>
-              <a:t>calAdd(</a:t>
-            </a:r>
-            <a:r>
-              <a:rPr lang="en-US" dirty="0" err="1" smtClean="0"/>
+              <a:t>(double</a:t>
+            </a:r>
+            <a:r>
+              <a:rPr lang="en-US" dirty="0" smtClean="0">
+                <a:solidFill>
+                  <a:schemeClr val="accent4">
+                    <a:lumMod val="75000"/>
+                  </a:schemeClr>
+                </a:solidFill>
+              </a:rPr>
+              <a:t>, double)</a:t>
+            </a:r>
+          </a:p>
+          <a:p>
+            <a:r>
+              <a:rPr lang="en-US" dirty="0" err="1" smtClean="0">
+                <a:solidFill>
+                  <a:srgbClr val="FFFF00"/>
+                </a:solidFill>
+              </a:rPr>
+              <a:t>calAdd</a:t>
+            </a:r>
+            <a:r>
+              <a:rPr lang="en-US" dirty="0" smtClean="0">
+                <a:solidFill>
+                  <a:srgbClr val="FFFF00"/>
+                </a:solidFill>
+              </a:rPr>
+              <a:t>(double</a:t>
+            </a:r>
+            <a:r>
+              <a:rPr lang="en-US" dirty="0" smtClean="0">
+                <a:solidFill>
+                  <a:srgbClr val="FFFF00"/>
+                </a:solidFill>
+              </a:rPr>
+              <a:t>, int)</a:t>
+            </a:r>
+          </a:p>
+          <a:p>
+            <a:r>
+              <a:rPr lang="en-US" dirty="0" err="1" smtClean="0">
+                <a:solidFill>
+                  <a:srgbClr val="FF0000"/>
+                </a:solidFill>
+              </a:rPr>
+              <a:t>calAdd</a:t>
+            </a:r>
+            <a:r>
+              <a:rPr lang="en-US" dirty="0" smtClean="0">
+                <a:solidFill>
+                  <a:srgbClr val="FF0000"/>
+                </a:solidFill>
+              </a:rPr>
+              <a:t>(</a:t>
+            </a:r>
+            <a:r>
+              <a:rPr lang="en-US" dirty="0" err="1" smtClean="0">
+                <a:solidFill>
+                  <a:srgbClr val="FF0000"/>
+                </a:solidFill>
+              </a:rPr>
               <a:t>int</a:t>
             </a:r>
             <a:r>
-              <a:rPr lang="en-US" dirty="0" smtClean="0"/>
+              <a:rPr lang="en-US" dirty="0" smtClean="0">
+                <a:solidFill>
+                  <a:srgbClr val="FF0000"/>
+                </a:solidFill>
+              </a:rPr>
               <a:t>, double)</a:t>
             </a:r>
           </a:p>
@@ -18622,10 +18746,16 @@
           <p:cNvGraphicFramePr>
             <a:graphicFrameLocks noGrp="1"/>
           </p:cNvGraphicFramePr>
-          <p:nvPr/>
+          <p:nvPr>
+            <p:extLst>
+              <p:ext uri="{D42A27DB-BD31-4B8C-83A1-F6EECF244321}">
+                <p14:modId xmlns:p14="http://schemas.microsoft.com/office/powerpoint/2010/main" val="2806610035"/>
+              </p:ext>
+            </p:extLst>
+          </p:nvPr>
         </p:nvGraphicFramePr>
         <p:xfrm>
-          <a:off x="1600200" y="5562600"/>
+          <a:off x="1219200" y="5486400"/>
           <a:ext cx="6096000" cy="370840"/>
         </p:xfrm>
         <a:graphic>
@@ -18651,7 +18781,7 @@
                         <a:rPr lang="en-US" dirty="0" smtClean="0"/>
                         <a:t>10</a:t>
                       </a:r>
-                      <a:endParaRPr lang="en-US" dirty="0"/>
+                      <a:endParaRPr lang="en-IN" dirty="0"/>
                     </a:p>
                   </a:txBody>
                   <a:tcPr/>
@@ -18665,7 +18795,7 @@
                         <a:rPr lang="en-US" dirty="0" smtClean="0"/>
                         <a:t>20</a:t>
                       </a:r>
-                      <a:endParaRPr lang="en-US" dirty="0"/>
+                      <a:endParaRPr lang="en-IN" dirty="0"/>
                     </a:p>
                   </a:txBody>
                   <a:tcPr/>
@@ -18679,7 +18809,7 @@
                         <a:rPr lang="en-US" dirty="0" smtClean="0"/>
                         <a:t>30</a:t>
                       </a:r>
-                      <a:endParaRPr lang="en-US" dirty="0"/>
+                      <a:endParaRPr lang="en-IN" dirty="0"/>
                     </a:p>
                   </a:txBody>
                   <a:tcPr/>
@@ -18693,7 +18823,7 @@
                         <a:rPr lang="en-US" dirty="0" smtClean="0"/>
                         <a:t>40</a:t>
                       </a:r>
-                      <a:endParaRPr lang="en-US" dirty="0"/>
+                      <a:endParaRPr lang="en-IN" dirty="0"/>
                     </a:p>
                   </a:txBody>
                   <a:tcPr/>
@@ -18704,10 +18834,10 @@
                     <a:lstStyle/>
                     <a:p>
                       <a:r>
-                        <a:rPr lang="en-US" dirty="0" smtClean="0"/>
+                        <a:rPr lang="en-US" smtClean="0"/>
                         <a:t>50</a:t>
                       </a:r>
-                      <a:endParaRPr lang="en-US" dirty="0"/>
+                      <a:endParaRPr lang="en-IN" dirty="0"/>
                     </a:p>
                   </a:txBody>
                   <a:tcPr/>
@@ -18725,7 +18855,7 @@
         </p:nvSpPr>
         <p:spPr>
           <a:xfrm>
-            <a:off x="1447800" y="6096000"/>
+            <a:off x="1066800" y="6019800"/>
             <a:ext cx="990600" cy="457200"/>
           </a:xfrm>
           <a:prstGeom prst="wedgeRectCallout">
@@ -18770,7 +18900,7 @@
         </p:nvSpPr>
         <p:spPr>
           <a:xfrm>
-            <a:off x="2743200" y="6096000"/>
+            <a:off x="2362200" y="6019800"/>
             <a:ext cx="990600" cy="457200"/>
           </a:xfrm>
           <a:prstGeom prst="wedgeRectCallout">
@@ -18815,7 +18945,7 @@
         </p:nvSpPr>
         <p:spPr>
           <a:xfrm>
-            <a:off x="4038600" y="6096000"/>
+            <a:off x="3657600" y="6019800"/>
             <a:ext cx="990600" cy="457200"/>
           </a:xfrm>
           <a:prstGeom prst="wedgeRectCallout">
@@ -18860,7 +18990,7 @@
         </p:nvSpPr>
         <p:spPr>
           <a:xfrm>
-            <a:off x="5334000" y="6096000"/>
+            <a:off x="4953000" y="6019800"/>
             <a:ext cx="990600" cy="457200"/>
           </a:xfrm>
           <a:prstGeom prst="wedgeRectCallout">
@@ -18905,7 +19035,7 @@
         </p:nvSpPr>
         <p:spPr>
           <a:xfrm>
-            <a:off x="6629400" y="6096000"/>
+            <a:off x="6248400" y="6019800"/>
             <a:ext cx="990600" cy="457200"/>
           </a:xfrm>
           <a:prstGeom prst="wedgeRectCallout">
